--- a/Защита курсовой.pptx
+++ b/Защита курсовой.pptx
@@ -11,7 +11,9 @@
     <p:sldId id="260" r:id="rId5"/>
     <p:sldId id="261" r:id="rId6"/>
     <p:sldId id="262" r:id="rId7"/>
-    <p:sldId id="258" r:id="rId8"/>
+    <p:sldId id="263" r:id="rId8"/>
+    <p:sldId id="264" r:id="rId9"/>
+    <p:sldId id="258" r:id="rId10"/>
   </p:sldIdLst>
   <p:sldSz cx="9144000" cy="6858000" type="screen4x3"/>
   <p:notesSz cx="6858000" cy="9144000"/>
@@ -171,10 +173,9 @@
           </a:lstStyle>
           <a:p>
             <a:r>
-              <a:rPr lang="ru-RU" smtClean="0"/>
+              <a:rPr lang="ru-RU"/>
               <a:t>Образец заголовка</a:t>
             </a:r>
-            <a:endParaRPr lang="ru-RU"/>
           </a:p>
         </p:txBody>
       </p:sp>
@@ -236,10 +237,9 @@
           </a:lstStyle>
           <a:p>
             <a:r>
-              <a:rPr lang="ru-RU" smtClean="0"/>
+              <a:rPr lang="ru-RU"/>
               <a:t>Образец подзаголовка</a:t>
             </a:r>
-            <a:endParaRPr lang="ru-RU"/>
           </a:p>
         </p:txBody>
       </p:sp>
@@ -356,10 +356,9 @@
           <a:lstStyle/>
           <a:p>
             <a:r>
-              <a:rPr lang="ru-RU" smtClean="0"/>
+              <a:rPr lang="ru-RU"/>
               <a:t>Образец заголовка</a:t>
             </a:r>
-            <a:endParaRPr lang="ru-RU"/>
           </a:p>
         </p:txBody>
       </p:sp>
@@ -380,38 +379,37 @@
           <a:p>
             <a:pPr lvl="0"/>
             <a:r>
-              <a:rPr lang="ru-RU" smtClean="0"/>
+              <a:rPr lang="ru-RU"/>
               <a:t>Образец текста</a:t>
             </a:r>
           </a:p>
           <a:p>
             <a:pPr lvl="1"/>
             <a:r>
-              <a:rPr lang="ru-RU" smtClean="0"/>
+              <a:rPr lang="ru-RU"/>
               <a:t>Второй уровень</a:t>
             </a:r>
           </a:p>
           <a:p>
             <a:pPr lvl="2"/>
             <a:r>
-              <a:rPr lang="ru-RU" smtClean="0"/>
+              <a:rPr lang="ru-RU"/>
               <a:t>Третий уровень</a:t>
             </a:r>
           </a:p>
           <a:p>
             <a:pPr lvl="3"/>
             <a:r>
-              <a:rPr lang="ru-RU" smtClean="0"/>
+              <a:rPr lang="ru-RU"/>
               <a:t>Четвертый уровень</a:t>
             </a:r>
           </a:p>
           <a:p>
             <a:pPr lvl="4"/>
             <a:r>
-              <a:rPr lang="ru-RU" smtClean="0"/>
+              <a:rPr lang="ru-RU"/>
               <a:t>Пятый уровень</a:t>
             </a:r>
-            <a:endParaRPr lang="ru-RU"/>
           </a:p>
         </p:txBody>
       </p:sp>
@@ -533,10 +531,9 @@
           <a:lstStyle/>
           <a:p>
             <a:r>
-              <a:rPr lang="ru-RU" smtClean="0"/>
+              <a:rPr lang="ru-RU"/>
               <a:t>Образец заголовка</a:t>
             </a:r>
-            <a:endParaRPr lang="ru-RU"/>
           </a:p>
         </p:txBody>
       </p:sp>
@@ -562,38 +559,37 @@
           <a:p>
             <a:pPr lvl="0"/>
             <a:r>
-              <a:rPr lang="ru-RU" smtClean="0"/>
+              <a:rPr lang="ru-RU"/>
               <a:t>Образец текста</a:t>
             </a:r>
           </a:p>
           <a:p>
             <a:pPr lvl="1"/>
             <a:r>
-              <a:rPr lang="ru-RU" smtClean="0"/>
+              <a:rPr lang="ru-RU"/>
               <a:t>Второй уровень</a:t>
             </a:r>
           </a:p>
           <a:p>
             <a:pPr lvl="2"/>
             <a:r>
-              <a:rPr lang="ru-RU" smtClean="0"/>
+              <a:rPr lang="ru-RU"/>
               <a:t>Третий уровень</a:t>
             </a:r>
           </a:p>
           <a:p>
             <a:pPr lvl="3"/>
             <a:r>
-              <a:rPr lang="ru-RU" smtClean="0"/>
+              <a:rPr lang="ru-RU"/>
               <a:t>Четвертый уровень</a:t>
             </a:r>
           </a:p>
           <a:p>
             <a:pPr lvl="4"/>
             <a:r>
-              <a:rPr lang="ru-RU" smtClean="0"/>
+              <a:rPr lang="ru-RU"/>
               <a:t>Пятый уровень</a:t>
             </a:r>
-            <a:endParaRPr lang="ru-RU"/>
           </a:p>
         </p:txBody>
       </p:sp>
@@ -710,10 +706,9 @@
           <a:lstStyle/>
           <a:p>
             <a:r>
-              <a:rPr lang="ru-RU" smtClean="0"/>
+              <a:rPr lang="ru-RU"/>
               <a:t>Образец заголовка</a:t>
             </a:r>
-            <a:endParaRPr lang="ru-RU"/>
           </a:p>
         </p:txBody>
       </p:sp>
@@ -734,38 +729,37 @@
           <a:p>
             <a:pPr lvl="0"/>
             <a:r>
-              <a:rPr lang="ru-RU" smtClean="0"/>
+              <a:rPr lang="ru-RU"/>
               <a:t>Образец текста</a:t>
             </a:r>
           </a:p>
           <a:p>
             <a:pPr lvl="1"/>
             <a:r>
-              <a:rPr lang="ru-RU" smtClean="0"/>
+              <a:rPr lang="ru-RU"/>
               <a:t>Второй уровень</a:t>
             </a:r>
           </a:p>
           <a:p>
             <a:pPr lvl="2"/>
             <a:r>
-              <a:rPr lang="ru-RU" smtClean="0"/>
+              <a:rPr lang="ru-RU"/>
               <a:t>Третий уровень</a:t>
             </a:r>
           </a:p>
           <a:p>
             <a:pPr lvl="3"/>
             <a:r>
-              <a:rPr lang="ru-RU" smtClean="0"/>
+              <a:rPr lang="ru-RU"/>
               <a:t>Четвертый уровень</a:t>
             </a:r>
           </a:p>
           <a:p>
             <a:pPr lvl="4"/>
             <a:r>
-              <a:rPr lang="ru-RU" smtClean="0"/>
+              <a:rPr lang="ru-RU"/>
               <a:t>Пятый уровень</a:t>
             </a:r>
-            <a:endParaRPr lang="ru-RU"/>
           </a:p>
         </p:txBody>
       </p:sp>
@@ -891,10 +885,9 @@
           </a:lstStyle>
           <a:p>
             <a:r>
-              <a:rPr lang="ru-RU" smtClean="0"/>
+              <a:rPr lang="ru-RU"/>
               <a:t>Образец заголовка</a:t>
             </a:r>
-            <a:endParaRPr lang="ru-RU"/>
           </a:p>
         </p:txBody>
       </p:sp>
@@ -1011,7 +1004,7 @@
           <a:p>
             <a:pPr lvl="0"/>
             <a:r>
-              <a:rPr lang="ru-RU" smtClean="0"/>
+              <a:rPr lang="ru-RU"/>
               <a:t>Образец текста</a:t>
             </a:r>
           </a:p>
@@ -1130,10 +1123,9 @@
           <a:lstStyle/>
           <a:p>
             <a:r>
-              <a:rPr lang="ru-RU" smtClean="0"/>
+              <a:rPr lang="ru-RU"/>
               <a:t>Образец заголовка</a:t>
             </a:r>
-            <a:endParaRPr lang="ru-RU"/>
           </a:p>
         </p:txBody>
       </p:sp>
@@ -1159,38 +1151,37 @@
           <a:p>
             <a:pPr lvl="0"/>
             <a:r>
-              <a:rPr lang="ru-RU" smtClean="0"/>
+              <a:rPr lang="ru-RU"/>
               <a:t>Образец текста</a:t>
             </a:r>
           </a:p>
           <a:p>
             <a:pPr lvl="1"/>
             <a:r>
-              <a:rPr lang="ru-RU" smtClean="0"/>
+              <a:rPr lang="ru-RU"/>
               <a:t>Второй уровень</a:t>
             </a:r>
           </a:p>
           <a:p>
             <a:pPr lvl="2"/>
             <a:r>
-              <a:rPr lang="ru-RU" smtClean="0"/>
+              <a:rPr lang="ru-RU"/>
               <a:t>Третий уровень</a:t>
             </a:r>
           </a:p>
           <a:p>
             <a:pPr lvl="3"/>
             <a:r>
-              <a:rPr lang="ru-RU" smtClean="0"/>
+              <a:rPr lang="ru-RU"/>
               <a:t>Четвертый уровень</a:t>
             </a:r>
           </a:p>
           <a:p>
             <a:pPr lvl="4"/>
             <a:r>
-              <a:rPr lang="ru-RU" smtClean="0"/>
+              <a:rPr lang="ru-RU"/>
               <a:t>Пятый уровень</a:t>
             </a:r>
-            <a:endParaRPr lang="ru-RU"/>
           </a:p>
         </p:txBody>
       </p:sp>
@@ -1216,38 +1207,37 @@
           <a:p>
             <a:pPr lvl="0"/>
             <a:r>
-              <a:rPr lang="ru-RU" smtClean="0"/>
+              <a:rPr lang="ru-RU"/>
               <a:t>Образец текста</a:t>
             </a:r>
           </a:p>
           <a:p>
             <a:pPr lvl="1"/>
             <a:r>
-              <a:rPr lang="ru-RU" smtClean="0"/>
+              <a:rPr lang="ru-RU"/>
               <a:t>Второй уровень</a:t>
             </a:r>
           </a:p>
           <a:p>
             <a:pPr lvl="2"/>
             <a:r>
-              <a:rPr lang="ru-RU" smtClean="0"/>
+              <a:rPr lang="ru-RU"/>
               <a:t>Третий уровень</a:t>
             </a:r>
           </a:p>
           <a:p>
             <a:pPr lvl="3"/>
             <a:r>
-              <a:rPr lang="ru-RU" smtClean="0"/>
+              <a:rPr lang="ru-RU"/>
               <a:t>Четвертый уровень</a:t>
             </a:r>
           </a:p>
           <a:p>
             <a:pPr lvl="4"/>
             <a:r>
-              <a:rPr lang="ru-RU" smtClean="0"/>
+              <a:rPr lang="ru-RU"/>
               <a:t>Пятый уровень</a:t>
             </a:r>
-            <a:endParaRPr lang="ru-RU"/>
           </a:p>
         </p:txBody>
       </p:sp>
@@ -1369,10 +1359,9 @@
           <a:lstStyle/>
           <a:p>
             <a:r>
-              <a:rPr lang="ru-RU" smtClean="0"/>
+              <a:rPr lang="ru-RU"/>
               <a:t>Образец заголовка</a:t>
             </a:r>
-            <a:endParaRPr lang="ru-RU"/>
           </a:p>
         </p:txBody>
       </p:sp>
@@ -1435,7 +1424,7 @@
           <a:p>
             <a:pPr lvl="0"/>
             <a:r>
-              <a:rPr lang="ru-RU" smtClean="0"/>
+              <a:rPr lang="ru-RU"/>
               <a:t>Образец текста</a:t>
             </a:r>
           </a:p>
@@ -1463,38 +1452,37 @@
           <a:p>
             <a:pPr lvl="0"/>
             <a:r>
-              <a:rPr lang="ru-RU" smtClean="0"/>
+              <a:rPr lang="ru-RU"/>
               <a:t>Образец текста</a:t>
             </a:r>
           </a:p>
           <a:p>
             <a:pPr lvl="1"/>
             <a:r>
-              <a:rPr lang="ru-RU" smtClean="0"/>
+              <a:rPr lang="ru-RU"/>
               <a:t>Второй уровень</a:t>
             </a:r>
           </a:p>
           <a:p>
             <a:pPr lvl="2"/>
             <a:r>
-              <a:rPr lang="ru-RU" smtClean="0"/>
+              <a:rPr lang="ru-RU"/>
               <a:t>Третий уровень</a:t>
             </a:r>
           </a:p>
           <a:p>
             <a:pPr lvl="3"/>
             <a:r>
-              <a:rPr lang="ru-RU" smtClean="0"/>
+              <a:rPr lang="ru-RU"/>
               <a:t>Четвертый уровень</a:t>
             </a:r>
           </a:p>
           <a:p>
             <a:pPr lvl="4"/>
             <a:r>
-              <a:rPr lang="ru-RU" smtClean="0"/>
+              <a:rPr lang="ru-RU"/>
               <a:t>Пятый уровень</a:t>
             </a:r>
-            <a:endParaRPr lang="ru-RU"/>
           </a:p>
         </p:txBody>
       </p:sp>
@@ -1557,7 +1545,7 @@
           <a:p>
             <a:pPr lvl="0"/>
             <a:r>
-              <a:rPr lang="ru-RU" smtClean="0"/>
+              <a:rPr lang="ru-RU"/>
               <a:t>Образец текста</a:t>
             </a:r>
           </a:p>
@@ -1585,38 +1573,37 @@
           <a:p>
             <a:pPr lvl="0"/>
             <a:r>
-              <a:rPr lang="ru-RU" smtClean="0"/>
+              <a:rPr lang="ru-RU"/>
               <a:t>Образец текста</a:t>
             </a:r>
           </a:p>
           <a:p>
             <a:pPr lvl="1"/>
             <a:r>
-              <a:rPr lang="ru-RU" smtClean="0"/>
+              <a:rPr lang="ru-RU"/>
               <a:t>Второй уровень</a:t>
             </a:r>
           </a:p>
           <a:p>
             <a:pPr lvl="2"/>
             <a:r>
-              <a:rPr lang="ru-RU" smtClean="0"/>
+              <a:rPr lang="ru-RU"/>
               <a:t>Третий уровень</a:t>
             </a:r>
           </a:p>
           <a:p>
             <a:pPr lvl="3"/>
             <a:r>
-              <a:rPr lang="ru-RU" smtClean="0"/>
+              <a:rPr lang="ru-RU"/>
               <a:t>Четвертый уровень</a:t>
             </a:r>
           </a:p>
           <a:p>
             <a:pPr lvl="4"/>
             <a:r>
-              <a:rPr lang="ru-RU" smtClean="0"/>
+              <a:rPr lang="ru-RU"/>
               <a:t>Пятый уровень</a:t>
             </a:r>
-            <a:endParaRPr lang="ru-RU"/>
           </a:p>
         </p:txBody>
       </p:sp>
@@ -1733,10 +1720,9 @@
           <a:lstStyle/>
           <a:p>
             <a:r>
-              <a:rPr lang="ru-RU" smtClean="0"/>
+              <a:rPr lang="ru-RU"/>
               <a:t>Образец заголовка</a:t>
             </a:r>
-            <a:endParaRPr lang="ru-RU"/>
           </a:p>
         </p:txBody>
       </p:sp>
@@ -1959,10 +1945,9 @@
           </a:lstStyle>
           <a:p>
             <a:r>
-              <a:rPr lang="ru-RU" smtClean="0"/>
+              <a:rPr lang="ru-RU"/>
               <a:t>Образец заголовка</a:t>
             </a:r>
-            <a:endParaRPr lang="ru-RU"/>
           </a:p>
         </p:txBody>
       </p:sp>
@@ -2016,38 +2001,37 @@
           <a:p>
             <a:pPr lvl="0"/>
             <a:r>
-              <a:rPr lang="ru-RU" smtClean="0"/>
+              <a:rPr lang="ru-RU"/>
               <a:t>Образец текста</a:t>
             </a:r>
           </a:p>
           <a:p>
             <a:pPr lvl="1"/>
             <a:r>
-              <a:rPr lang="ru-RU" smtClean="0"/>
+              <a:rPr lang="ru-RU"/>
               <a:t>Второй уровень</a:t>
             </a:r>
           </a:p>
           <a:p>
             <a:pPr lvl="2"/>
             <a:r>
-              <a:rPr lang="ru-RU" smtClean="0"/>
+              <a:rPr lang="ru-RU"/>
               <a:t>Третий уровень</a:t>
             </a:r>
           </a:p>
           <a:p>
             <a:pPr lvl="3"/>
             <a:r>
-              <a:rPr lang="ru-RU" smtClean="0"/>
+              <a:rPr lang="ru-RU"/>
               <a:t>Четвертый уровень</a:t>
             </a:r>
           </a:p>
           <a:p>
             <a:pPr lvl="4"/>
             <a:r>
-              <a:rPr lang="ru-RU" smtClean="0"/>
+              <a:rPr lang="ru-RU"/>
               <a:t>Пятый уровень</a:t>
             </a:r>
-            <a:endParaRPr lang="ru-RU"/>
           </a:p>
         </p:txBody>
       </p:sp>
@@ -2110,7 +2094,7 @@
           <a:p>
             <a:pPr lvl="0"/>
             <a:r>
-              <a:rPr lang="ru-RU" smtClean="0"/>
+              <a:rPr lang="ru-RU"/>
               <a:t>Образец текста</a:t>
             </a:r>
           </a:p>
@@ -2238,10 +2222,9 @@
           </a:lstStyle>
           <a:p>
             <a:r>
-              <a:rPr lang="ru-RU" smtClean="0"/>
+              <a:rPr lang="ru-RU"/>
               <a:t>Образец заголовка</a:t>
             </a:r>
-            <a:endParaRPr lang="ru-RU"/>
           </a:p>
         </p:txBody>
       </p:sp>
@@ -2365,7 +2348,7 @@
           <a:p>
             <a:pPr lvl="0"/>
             <a:r>
-              <a:rPr lang="ru-RU" smtClean="0"/>
+              <a:rPr lang="ru-RU"/>
               <a:t>Образец текста</a:t>
             </a:r>
           </a:p>
@@ -2499,10 +2482,9 @@
           <a:lstStyle/>
           <a:p>
             <a:r>
-              <a:rPr lang="ru-RU" smtClean="0"/>
+              <a:rPr lang="ru-RU"/>
               <a:t>Образец заголовка</a:t>
             </a:r>
-            <a:endParaRPr lang="ru-RU"/>
           </a:p>
         </p:txBody>
       </p:sp>
@@ -2533,38 +2515,37 @@
           <a:p>
             <a:pPr lvl="0"/>
             <a:r>
-              <a:rPr lang="ru-RU" smtClean="0"/>
+              <a:rPr lang="ru-RU"/>
               <a:t>Образец текста</a:t>
             </a:r>
           </a:p>
           <a:p>
             <a:pPr lvl="1"/>
             <a:r>
-              <a:rPr lang="ru-RU" smtClean="0"/>
+              <a:rPr lang="ru-RU"/>
               <a:t>Второй уровень</a:t>
             </a:r>
           </a:p>
           <a:p>
             <a:pPr lvl="2"/>
             <a:r>
-              <a:rPr lang="ru-RU" smtClean="0"/>
+              <a:rPr lang="ru-RU"/>
               <a:t>Третий уровень</a:t>
             </a:r>
           </a:p>
           <a:p>
             <a:pPr lvl="3"/>
             <a:r>
-              <a:rPr lang="ru-RU" smtClean="0"/>
+              <a:rPr lang="ru-RU"/>
               <a:t>Четвертый уровень</a:t>
             </a:r>
           </a:p>
           <a:p>
             <a:pPr lvl="4"/>
             <a:r>
-              <a:rPr lang="ru-RU" smtClean="0"/>
+              <a:rPr lang="ru-RU"/>
               <a:t>Пятый уровень</a:t>
             </a:r>
-            <a:endParaRPr lang="ru-RU"/>
           </a:p>
         </p:txBody>
       </p:sp>
@@ -3200,7 +3181,7 @@
         <p:spPr>
           <a:xfrm>
             <a:off x="64443" y="2204864"/>
-            <a:ext cx="9108504" cy="1569660"/>
+            <a:ext cx="9108504" cy="1399870"/>
           </a:xfrm>
           <a:prstGeom prst="rect">
             <a:avLst/>
@@ -3219,7 +3200,7 @@
               </a:lnSpc>
             </a:pPr>
             <a:r>
-              <a:rPr lang="ru-RU" sz="3600" dirty="0">
+              <a:rPr lang="ru-RU" sz="3200" dirty="0">
                 <a:ln w="0"/>
                 <a:latin typeface="Times New Roman" panose="02020603050405020304" pitchFamily="18" charset="0"/>
                 <a:cs typeface="Times New Roman" panose="02020603050405020304" pitchFamily="18" charset="0"/>
@@ -3234,7 +3215,7 @@
               </a:lnSpc>
             </a:pPr>
             <a:r>
-              <a:rPr lang="ru-RU" sz="2800" dirty="0" smtClean="0">
+              <a:rPr lang="ru-RU" sz="2800" dirty="0">
                 <a:ln w="0"/>
                 <a:latin typeface="Times New Roman" panose="02020603050405020304" pitchFamily="18" charset="0"/>
                 <a:cs typeface="Times New Roman" panose="02020603050405020304" pitchFamily="18" charset="0"/>
@@ -3263,18 +3244,13 @@
               <a:t> "Языковая школа"</a:t>
             </a:r>
             <a:r>
-              <a:rPr lang="ru-RU" sz="2800" dirty="0" smtClean="0">
+              <a:rPr lang="ru-RU" sz="2800" dirty="0">
                 <a:ln w="0"/>
                 <a:latin typeface="Times New Roman" panose="02020603050405020304" pitchFamily="18" charset="0"/>
                 <a:cs typeface="Times New Roman" panose="02020603050405020304" pitchFamily="18" charset="0"/>
               </a:rPr>
               <a:t>»</a:t>
             </a:r>
-            <a:endParaRPr lang="ru-RU" sz="2800" dirty="0">
-              <a:ln w="0"/>
-              <a:latin typeface="Times New Roman" panose="02020603050405020304" pitchFamily="18" charset="0"/>
-              <a:cs typeface="Times New Roman" panose="02020603050405020304" pitchFamily="18" charset="0"/>
-            </a:endParaRPr>
           </a:p>
         </p:txBody>
       </p:sp>
@@ -3319,45 +3295,28 @@
                 <a:latin typeface="Times New Roman" panose="02020603050405020304" pitchFamily="18" charset="0"/>
                 <a:cs typeface="Times New Roman" panose="02020603050405020304" pitchFamily="18" charset="0"/>
               </a:rPr>
-              <a:t>Автор</a:t>
-            </a:r>
-            <a:r>
-              <a:rPr lang="ru-RU" dirty="0" smtClean="0">
+              <a:t>Автор:</a:t>
+            </a:r>
+            <a:r>
+              <a:rPr lang="en-US" dirty="0">
                 <a:solidFill>
                   <a:schemeClr val="bg1"/>
                 </a:solidFill>
                 <a:latin typeface="Times New Roman" panose="02020603050405020304" pitchFamily="18" charset="0"/>
                 <a:cs typeface="Times New Roman" panose="02020603050405020304" pitchFamily="18" charset="0"/>
               </a:rPr>
-              <a:t>:</a:t>
-            </a:r>
-            <a:r>
-              <a:rPr lang="en-US" dirty="0" smtClean="0">
+              <a:t> </a:t>
+            </a:r>
+            <a:r>
+              <a:rPr lang="ru-RU" dirty="0">
                 <a:solidFill>
                   <a:schemeClr val="bg1"/>
                 </a:solidFill>
                 <a:latin typeface="Times New Roman" panose="02020603050405020304" pitchFamily="18" charset="0"/>
                 <a:cs typeface="Times New Roman" panose="02020603050405020304" pitchFamily="18" charset="0"/>
               </a:rPr>
-              <a:t> </a:t>
-            </a:r>
-            <a:r>
-              <a:rPr lang="ru-RU" dirty="0" smtClean="0">
-                <a:solidFill>
-                  <a:schemeClr val="bg1"/>
-                </a:solidFill>
-                <a:latin typeface="Times New Roman" panose="02020603050405020304" pitchFamily="18" charset="0"/>
-                <a:cs typeface="Times New Roman" panose="02020603050405020304" pitchFamily="18" charset="0"/>
-              </a:rPr>
               <a:t>Мисник Е.А </a:t>
             </a:r>
-            <a:endParaRPr lang="ru-RU" dirty="0">
-              <a:solidFill>
-                <a:schemeClr val="bg1"/>
-              </a:solidFill>
-              <a:latin typeface="Times New Roman" panose="02020603050405020304" pitchFamily="18" charset="0"/>
-              <a:cs typeface="Times New Roman" panose="02020603050405020304" pitchFamily="18" charset="0"/>
-            </a:endParaRPr>
           </a:p>
           <a:p>
             <a:pPr algn="r">
@@ -3366,32 +3325,15 @@
               </a:lnSpc>
             </a:pPr>
             <a:r>
-              <a:rPr lang="ru-RU" dirty="0" smtClean="0">
+              <a:rPr lang="ru-RU" dirty="0">
                 <a:solidFill>
                   <a:schemeClr val="bg1"/>
                 </a:solidFill>
                 <a:latin typeface="Times New Roman" panose="02020603050405020304" pitchFamily="18" charset="0"/>
                 <a:cs typeface="Times New Roman" panose="02020603050405020304" pitchFamily="18" charset="0"/>
               </a:rPr>
-              <a:t>Группа: </a:t>
-            </a:r>
-            <a:r>
-              <a:rPr lang="ru-RU" dirty="0" smtClean="0">
-                <a:solidFill>
-                  <a:schemeClr val="bg1"/>
-                </a:solidFill>
-                <a:latin typeface="Times New Roman" panose="02020603050405020304" pitchFamily="18" charset="0"/>
-                <a:cs typeface="Times New Roman" panose="02020603050405020304" pitchFamily="18" charset="0"/>
-              </a:rPr>
-              <a:t>ИС-302</a:t>
-            </a:r>
-            <a:endParaRPr lang="ru-RU" dirty="0">
-              <a:solidFill>
-                <a:schemeClr val="bg1"/>
-              </a:solidFill>
-              <a:latin typeface="Times New Roman" panose="02020603050405020304" pitchFamily="18" charset="0"/>
-              <a:cs typeface="Times New Roman" panose="02020603050405020304" pitchFamily="18" charset="0"/>
-            </a:endParaRPr>
+              <a:t>Группа: ИС-302</a:t>
+            </a:r>
           </a:p>
           <a:p>
             <a:pPr algn="r">
@@ -3410,7 +3352,7 @@
               <a:t>Руководитель: </a:t>
             </a:r>
             <a:r>
-              <a:rPr lang="ru-RU" dirty="0" err="1" smtClean="0">
+              <a:rPr lang="ru-RU" dirty="0" err="1">
                 <a:solidFill>
                   <a:schemeClr val="bg1"/>
                 </a:solidFill>
@@ -3420,7 +3362,7 @@
               <a:t>Мигуля</a:t>
             </a:r>
             <a:r>
-              <a:rPr lang="ru-RU" dirty="0" smtClean="0">
+              <a:rPr lang="ru-RU" dirty="0">
                 <a:solidFill>
                   <a:schemeClr val="bg1"/>
                 </a:solidFill>
@@ -3429,13 +3371,6 @@
               </a:rPr>
               <a:t> Н.А.</a:t>
             </a:r>
-            <a:endParaRPr lang="ru-RU" dirty="0">
-              <a:solidFill>
-                <a:schemeClr val="bg1"/>
-              </a:solidFill>
-              <a:latin typeface="Times New Roman" panose="02020603050405020304" pitchFamily="18" charset="0"/>
-              <a:cs typeface="Times New Roman" panose="02020603050405020304" pitchFamily="18" charset="0"/>
-            </a:endParaRPr>
           </a:p>
         </p:txBody>
       </p:sp>
@@ -3468,7 +3403,7 @@
           <a:lstStyle/>
           <a:p>
             <a:r>
-              <a:rPr lang="ru-RU" dirty="0" smtClean="0">
+              <a:rPr lang="ru-RU" dirty="0">
                 <a:solidFill>
                   <a:schemeClr val="bg1"/>
                 </a:solidFill>
@@ -3478,7 +3413,7 @@
               <a:t>202</a:t>
             </a:r>
             <a:r>
-              <a:rPr lang="en-US" dirty="0" smtClean="0">
+              <a:rPr lang="en-US" dirty="0">
                 <a:solidFill>
                   <a:schemeClr val="bg1"/>
                 </a:solidFill>
@@ -3488,24 +3423,14 @@
               <a:t>3</a:t>
             </a:r>
             <a:r>
-              <a:rPr lang="ru-RU" dirty="0" smtClean="0">
+              <a:rPr lang="ru-RU" dirty="0">
                 <a:solidFill>
                   <a:schemeClr val="bg1"/>
                 </a:solidFill>
                 <a:latin typeface="Times New Roman" panose="02020603050405020304" pitchFamily="18" charset="0"/>
                 <a:cs typeface="Times New Roman" panose="02020603050405020304" pitchFamily="18" charset="0"/>
               </a:rPr>
-              <a:t> </a:t>
-            </a:r>
-            <a:r>
-              <a:rPr lang="ru-RU" dirty="0">
-                <a:solidFill>
-                  <a:schemeClr val="bg1"/>
-                </a:solidFill>
-                <a:latin typeface="Times New Roman" panose="02020603050405020304" pitchFamily="18" charset="0"/>
-                <a:cs typeface="Times New Roman" panose="02020603050405020304" pitchFamily="18" charset="0"/>
-              </a:rPr>
-              <a:t>год</a:t>
+              <a:t> год</a:t>
             </a:r>
           </a:p>
         </p:txBody>
@@ -3515,13 +3440,6 @@
   <p:clrMapOvr>
     <a:masterClrMapping/>
   </p:clrMapOvr>
-  <p:timing>
-    <p:tnLst>
-      <p:par>
-        <p:cTn id="1" dur="indefinite" restart="never" nodeType="tmRoot"/>
-      </p:par>
-    </p:tnLst>
-  </p:timing>
 </p:sld>
 </file>
 
@@ -3657,7 +3575,7 @@
           <a:lstStyle/>
           <a:p>
             <a:r>
-              <a:rPr lang="ru-RU" sz="4000" b="1" dirty="0" smtClean="0">
+              <a:rPr lang="ru-RU" sz="4000" b="1" dirty="0">
                 <a:solidFill>
                   <a:schemeClr val="bg1"/>
                 </a:solidFill>
@@ -3666,13 +3584,6 @@
               </a:rPr>
               <a:t>Цель:</a:t>
             </a:r>
-            <a:endParaRPr lang="ru-RU" sz="4000" b="1" dirty="0">
-              <a:solidFill>
-                <a:schemeClr val="bg1"/>
-              </a:solidFill>
-              <a:latin typeface="Times New Roman" panose="02020603050405020304" pitchFamily="18" charset="0"/>
-              <a:cs typeface="Times New Roman" panose="02020603050405020304" pitchFamily="18" charset="0"/>
-            </a:endParaRPr>
           </a:p>
         </p:txBody>
       </p:sp>
@@ -3780,7 +3691,7 @@
           </a:lstStyle>
           <a:p>
             <a:r>
-              <a:rPr lang="ru-RU" sz="4000" b="1" dirty="0" smtClean="0">
+              <a:rPr lang="ru-RU" sz="4000" b="1" dirty="0">
                 <a:solidFill>
                   <a:schemeClr val="bg1"/>
                 </a:solidFill>
@@ -3789,13 +3700,6 @@
               </a:rPr>
               <a:t>Задачи:</a:t>
             </a:r>
-            <a:endParaRPr lang="ru-RU" sz="4000" b="1" dirty="0">
-              <a:solidFill>
-                <a:schemeClr val="bg1"/>
-              </a:solidFill>
-              <a:latin typeface="Times New Roman" panose="02020603050405020304" pitchFamily="18" charset="0"/>
-              <a:cs typeface="Times New Roman" panose="02020603050405020304" pitchFamily="18" charset="0"/>
-            </a:endParaRPr>
           </a:p>
         </p:txBody>
       </p:sp>
@@ -3809,8 +3713,8 @@
         </p:nvSpPr>
         <p:spPr>
           <a:xfrm>
-            <a:off x="395536" y="3356993"/>
-            <a:ext cx="8280920" cy="3168351"/>
+            <a:off x="395536" y="3384377"/>
+            <a:ext cx="8280920" cy="3140967"/>
           </a:xfrm>
           <a:prstGeom prst="rect">
             <a:avLst/>
@@ -3985,19 +3889,27 @@
             </a:lvl9pPr>
           </a:lstStyle>
           <a:p>
-            <a:pPr lvl="0"/>
-            <a:r>
-              <a:rPr lang="ru-RU" sz="2000" dirty="0">
-                <a:latin typeface="Times New Roman" panose="02020603050405020304" pitchFamily="18" charset="0"/>
-                <a:cs typeface="Times New Roman" panose="02020603050405020304" pitchFamily="18" charset="0"/>
-              </a:rPr>
-              <a:t>Разрабатывать алгоритм поставленной задачи.</a:t>
-            </a:r>
-          </a:p>
-          <a:p>
-            <a:pPr lvl="0"/>
-            <a:r>
-              <a:rPr lang="ru-RU" sz="2000" dirty="0">
+            <a:pPr lvl="0">
+              <a:lnSpc>
+                <a:spcPct val="100000"/>
+              </a:lnSpc>
+            </a:pPr>
+            <a:r>
+              <a:rPr lang="ru-RU" sz="2400" dirty="0">
+                <a:latin typeface="Times New Roman" panose="02020603050405020304" pitchFamily="18" charset="0"/>
+                <a:cs typeface="Times New Roman" panose="02020603050405020304" pitchFamily="18" charset="0"/>
+              </a:rPr>
+              <a:t>Разработать алгоритм поставленной задачи.</a:t>
+            </a:r>
+          </a:p>
+          <a:p>
+            <a:pPr lvl="0">
+              <a:lnSpc>
+                <a:spcPct val="100000"/>
+              </a:lnSpc>
+            </a:pPr>
+            <a:r>
+              <a:rPr lang="ru-RU" sz="2400" dirty="0">
                 <a:latin typeface="Times New Roman" panose="02020603050405020304" pitchFamily="18" charset="0"/>
                 <a:cs typeface="Times New Roman" panose="02020603050405020304" pitchFamily="18" charset="0"/>
               </a:rPr>
@@ -4005,19 +3917,27 @@
             </a:r>
           </a:p>
           <a:p>
-            <a:pPr lvl="0"/>
-            <a:r>
-              <a:rPr lang="ru-RU" sz="2000" dirty="0">
-                <a:latin typeface="Times New Roman" panose="02020603050405020304" pitchFamily="18" charset="0"/>
-                <a:cs typeface="Times New Roman" panose="02020603050405020304" pitchFamily="18" charset="0"/>
-              </a:rPr>
-              <a:t>Разрабатывать код программного продукта на основе готовой спецификации на уровне модуля с использованием современных языков программирования.</a:t>
-            </a:r>
-          </a:p>
-          <a:p>
-            <a:pPr lvl="0"/>
-            <a:r>
-              <a:rPr lang="ru-RU" sz="2000" dirty="0">
+            <a:pPr lvl="0">
+              <a:lnSpc>
+                <a:spcPct val="100000"/>
+              </a:lnSpc>
+            </a:pPr>
+            <a:r>
+              <a:rPr lang="ru-RU" sz="2400" dirty="0">
+                <a:latin typeface="Times New Roman" panose="02020603050405020304" pitchFamily="18" charset="0"/>
+                <a:cs typeface="Times New Roman" panose="02020603050405020304" pitchFamily="18" charset="0"/>
+              </a:rPr>
+              <a:t>Разрабатывать код программного продукта.</a:t>
+            </a:r>
+          </a:p>
+          <a:p>
+            <a:pPr lvl="0">
+              <a:lnSpc>
+                <a:spcPct val="100000"/>
+              </a:lnSpc>
+            </a:pPr>
+            <a:r>
+              <a:rPr lang="ru-RU" sz="2400" dirty="0">
                 <a:latin typeface="Times New Roman" panose="02020603050405020304" pitchFamily="18" charset="0"/>
                 <a:cs typeface="Times New Roman" panose="02020603050405020304" pitchFamily="18" charset="0"/>
               </a:rPr>
@@ -4025,13 +3945,17 @@
             </a:r>
           </a:p>
           <a:p>
-            <a:pPr lvl="0"/>
-            <a:r>
-              <a:rPr lang="ru-RU" sz="2000" dirty="0">
-                <a:latin typeface="Times New Roman" panose="02020603050405020304" pitchFamily="18" charset="0"/>
-                <a:cs typeface="Times New Roman" panose="02020603050405020304" pitchFamily="18" charset="0"/>
-              </a:rPr>
-              <a:t>Оформить документацию на программные средства с использованием средств для автоматизации оформления документации.</a:t>
+            <a:pPr lvl="0">
+              <a:lnSpc>
+                <a:spcPct val="100000"/>
+              </a:lnSpc>
+            </a:pPr>
+            <a:r>
+              <a:rPr lang="ru-RU" sz="2400" dirty="0">
+                <a:latin typeface="Times New Roman" panose="02020603050405020304" pitchFamily="18" charset="0"/>
+                <a:cs typeface="Times New Roman" panose="02020603050405020304" pitchFamily="18" charset="0"/>
+              </a:rPr>
+              <a:t>Оформить документацию.</a:t>
             </a:r>
           </a:p>
         </p:txBody>
@@ -4041,13 +3965,6 @@
   <p:clrMapOvr>
     <a:masterClrMapping/>
   </p:clrMapOvr>
-  <p:timing>
-    <p:tnLst>
-      <p:par>
-        <p:cTn id="1" dur="indefinite" restart="never" nodeType="tmRoot"/>
-      </p:par>
-    </p:tnLst>
-  </p:timing>
 </p:sld>
 </file>
 
@@ -4144,25 +4061,8 @@
                 <a:latin typeface="Times New Roman" panose="02020603050405020304" pitchFamily="18" charset="0"/>
                 <a:cs typeface="Times New Roman" panose="02020603050405020304" pitchFamily="18" charset="0"/>
               </a:rPr>
-              <a:t>Основной функционал </a:t>
-            </a:r>
-            <a:r>
-              <a:rPr lang="ru-RU" sz="3600" b="1" dirty="0" smtClean="0">
-                <a:solidFill>
-                  <a:schemeClr val="bg1"/>
-                </a:solidFill>
-                <a:latin typeface="Times New Roman" panose="02020603050405020304" pitchFamily="18" charset="0"/>
-                <a:cs typeface="Times New Roman" panose="02020603050405020304" pitchFamily="18" charset="0"/>
-              </a:rPr>
-              <a:t>веб-приложения</a:t>
-            </a:r>
-            <a:endParaRPr lang="ru-RU" sz="3600" b="1" dirty="0">
-              <a:solidFill>
-                <a:schemeClr val="bg1"/>
-              </a:solidFill>
-              <a:latin typeface="Times New Roman" panose="02020603050405020304" pitchFamily="18" charset="0"/>
-              <a:cs typeface="Times New Roman" panose="02020603050405020304" pitchFamily="18" charset="0"/>
-            </a:endParaRPr>
+              <a:t>Основной функционал веб-приложения</a:t>
+            </a:r>
           </a:p>
         </p:txBody>
       </p:sp>
@@ -4178,8 +4078,8 @@
         </p:nvSpPr>
         <p:spPr>
           <a:xfrm>
-            <a:off x="251520" y="1340768"/>
-            <a:ext cx="8640960" cy="4752528"/>
+            <a:off x="251520" y="1275401"/>
+            <a:ext cx="8640960" cy="4817895"/>
           </a:xfrm>
         </p:spPr>
         <p:txBody>
@@ -4188,157 +4088,131 @@
           </a:bodyPr>
           <a:lstStyle/>
           <a:p>
-            <a:pPr lvl="0">
+            <a:pPr marL="457200" lvl="0" indent="-457200">
               <a:lnSpc>
-                <a:spcPct val="100000"/>
+                <a:spcPct val="150000"/>
               </a:lnSpc>
+              <a:buFont typeface="+mj-lt"/>
+              <a:buAutoNum type="arabicPeriod"/>
             </a:pPr>
             <a:r>
               <a:rPr lang="ru-RU" dirty="0">
                 <a:latin typeface="Times New Roman" panose="02020603050405020304" pitchFamily="18" charset="0"/>
                 <a:cs typeface="Times New Roman" panose="02020603050405020304" pitchFamily="18" charset="0"/>
               </a:rPr>
-              <a:t>Навигационное меню – удобное перемещение по страницам сайта.</a:t>
-            </a:r>
-          </a:p>
-          <a:p>
-            <a:pPr lvl="0">
+              <a:t>Навигационное меню.</a:t>
+            </a:r>
+          </a:p>
+          <a:p>
+            <a:pPr marL="457200" lvl="0" indent="-457200">
               <a:lnSpc>
-                <a:spcPct val="100000"/>
+                <a:spcPct val="150000"/>
               </a:lnSpc>
+              <a:buFont typeface="+mj-lt"/>
+              <a:buAutoNum type="arabicPeriod"/>
             </a:pPr>
             <a:r>
               <a:rPr lang="ru-RU" dirty="0">
                 <a:latin typeface="Times New Roman" panose="02020603050405020304" pitchFamily="18" charset="0"/>
                 <a:cs typeface="Times New Roman" panose="02020603050405020304" pitchFamily="18" charset="0"/>
               </a:rPr>
-              <a:t>Карта физического адреса – посмотреть и построить маршрут.</a:t>
-            </a:r>
-          </a:p>
-          <a:p>
-            <a:pPr lvl="0">
+              <a:t>Карта физического адреса.</a:t>
+            </a:r>
+          </a:p>
+          <a:p>
+            <a:pPr marL="457200" lvl="0" indent="-457200">
               <a:lnSpc>
-                <a:spcPct val="100000"/>
+                <a:spcPct val="150000"/>
               </a:lnSpc>
+              <a:buFont typeface="+mj-lt"/>
+              <a:buAutoNum type="arabicPeriod"/>
             </a:pPr>
             <a:r>
               <a:rPr lang="ru-RU" dirty="0">
                 <a:latin typeface="Times New Roman" panose="02020603050405020304" pitchFamily="18" charset="0"/>
                 <a:cs typeface="Times New Roman" panose="02020603050405020304" pitchFamily="18" charset="0"/>
               </a:rPr>
-              <a:t>Регистрация – занесение данных пользователя в базу данных.</a:t>
-            </a:r>
-          </a:p>
-          <a:p>
-            <a:pPr lvl="0">
+              <a:t>Регистрация.</a:t>
+            </a:r>
+          </a:p>
+          <a:p>
+            <a:pPr marL="457200" lvl="0" indent="-457200">
               <a:lnSpc>
-                <a:spcPct val="100000"/>
+                <a:spcPct val="150000"/>
               </a:lnSpc>
+              <a:buFont typeface="+mj-lt"/>
+              <a:buAutoNum type="arabicPeriod"/>
             </a:pPr>
             <a:r>
               <a:rPr lang="ru-RU" dirty="0">
                 <a:latin typeface="Times New Roman" panose="02020603050405020304" pitchFamily="18" charset="0"/>
                 <a:cs typeface="Times New Roman" panose="02020603050405020304" pitchFamily="18" charset="0"/>
               </a:rPr>
-              <a:t>Авторизация – для проверки данных из </a:t>
-            </a:r>
-            <a:r>
-              <a:rPr lang="ru-RU" dirty="0" err="1">
-                <a:latin typeface="Times New Roman" panose="02020603050405020304" pitchFamily="18" charset="0"/>
-                <a:cs typeface="Times New Roman" panose="02020603050405020304" pitchFamily="18" charset="0"/>
-              </a:rPr>
-              <a:t>бд</a:t>
-            </a:r>
+              <a:t>Авторизация.</a:t>
+            </a:r>
+          </a:p>
+          <a:p>
+            <a:pPr marL="457200" lvl="0" indent="-457200">
+              <a:lnSpc>
+                <a:spcPct val="150000"/>
+              </a:lnSpc>
+              <a:buFont typeface="+mj-lt"/>
+              <a:buAutoNum type="arabicPeriod"/>
+            </a:pPr>
             <a:r>
               <a:rPr lang="ru-RU" dirty="0">
                 <a:latin typeface="Times New Roman" panose="02020603050405020304" pitchFamily="18" charset="0"/>
                 <a:cs typeface="Times New Roman" panose="02020603050405020304" pitchFamily="18" charset="0"/>
               </a:rPr>
-              <a:t> и входа на сайт.</a:t>
-            </a:r>
-          </a:p>
-          <a:p>
-            <a:pPr lvl="0">
+              <a:t>Модальное окно.</a:t>
+            </a:r>
+          </a:p>
+          <a:p>
+            <a:pPr marL="457200" lvl="0" indent="-457200">
               <a:lnSpc>
-                <a:spcPct val="100000"/>
+                <a:spcPct val="150000"/>
               </a:lnSpc>
+              <a:buFont typeface="+mj-lt"/>
+              <a:buAutoNum type="arabicPeriod"/>
             </a:pPr>
             <a:r>
               <a:rPr lang="ru-RU" dirty="0">
                 <a:latin typeface="Times New Roman" panose="02020603050405020304" pitchFamily="18" charset="0"/>
                 <a:cs typeface="Times New Roman" panose="02020603050405020304" pitchFamily="18" charset="0"/>
               </a:rPr>
-              <a:t>Модальное окно – показывает историю школы, а так запись на выбранный курс.</a:t>
-            </a:r>
-          </a:p>
-          <a:p>
-            <a:pPr lvl="0">
+              <a:t>Скачивание учебников.</a:t>
+            </a:r>
+          </a:p>
+          <a:p>
+            <a:pPr marL="457200" lvl="0" indent="-457200">
               <a:lnSpc>
-                <a:spcPct val="100000"/>
+                <a:spcPct val="150000"/>
               </a:lnSpc>
+              <a:buFont typeface="+mj-lt"/>
+              <a:buAutoNum type="arabicPeriod"/>
             </a:pPr>
             <a:r>
               <a:rPr lang="ru-RU" dirty="0">
                 <a:latin typeface="Times New Roman" panose="02020603050405020304" pitchFamily="18" charset="0"/>
                 <a:cs typeface="Times New Roman" panose="02020603050405020304" pitchFamily="18" charset="0"/>
               </a:rPr>
-              <a:t>Скачивание учебников – скачивать книги и другие полезные материалы для обучения на устройство для обучения в </a:t>
-            </a:r>
-            <a:r>
-              <a:rPr lang="ru-RU" dirty="0" err="1">
-                <a:latin typeface="Times New Roman" panose="02020603050405020304" pitchFamily="18" charset="0"/>
-                <a:cs typeface="Times New Roman" panose="02020603050405020304" pitchFamily="18" charset="0"/>
-              </a:rPr>
-              <a:t>оффлайн</a:t>
-            </a:r>
+              <a:t>Поисковая строка. </a:t>
+            </a:r>
+          </a:p>
+          <a:p>
+            <a:pPr marL="457200" lvl="0" indent="-457200">
+              <a:lnSpc>
+                <a:spcPct val="150000"/>
+              </a:lnSpc>
+              <a:buFont typeface="+mj-lt"/>
+              <a:buAutoNum type="arabicPeriod"/>
+            </a:pPr>
             <a:r>
               <a:rPr lang="ru-RU" dirty="0">
                 <a:latin typeface="Times New Roman" panose="02020603050405020304" pitchFamily="18" charset="0"/>
                 <a:cs typeface="Times New Roman" panose="02020603050405020304" pitchFamily="18" charset="0"/>
               </a:rPr>
-              <a:t> режиме.</a:t>
-            </a:r>
-          </a:p>
-          <a:p>
-            <a:pPr lvl="0">
-              <a:lnSpc>
-                <a:spcPct val="100000"/>
-              </a:lnSpc>
-            </a:pPr>
-            <a:r>
-              <a:rPr lang="ru-RU" dirty="0">
-                <a:latin typeface="Times New Roman" panose="02020603050405020304" pitchFamily="18" charset="0"/>
-                <a:cs typeface="Times New Roman" panose="02020603050405020304" pitchFamily="18" charset="0"/>
-              </a:rPr>
-              <a:t>Поисковая строка – поиск по товарам в базе данных, которые существуют в </a:t>
-            </a:r>
-            <a:r>
-              <a:rPr lang="ru-RU" dirty="0" err="1">
-                <a:latin typeface="Times New Roman" panose="02020603050405020304" pitchFamily="18" charset="0"/>
-                <a:cs typeface="Times New Roman" panose="02020603050405020304" pitchFamily="18" charset="0"/>
-              </a:rPr>
-              <a:t>интернет-ресурсе</a:t>
-            </a:r>
-            <a:r>
-              <a:rPr lang="ru-RU" dirty="0">
-                <a:latin typeface="Times New Roman" panose="02020603050405020304" pitchFamily="18" charset="0"/>
-                <a:cs typeface="Times New Roman" panose="02020603050405020304" pitchFamily="18" charset="0"/>
-              </a:rPr>
-              <a:t>. </a:t>
-            </a:r>
-          </a:p>
-          <a:p>
-            <a:pPr lvl="0">
-              <a:lnSpc>
-                <a:spcPct val="100000"/>
-              </a:lnSpc>
-            </a:pPr>
-            <a:r>
-              <a:rPr lang="ru-RU" dirty="0">
-                <a:latin typeface="Times New Roman" panose="02020603050405020304" pitchFamily="18" charset="0"/>
-                <a:cs typeface="Times New Roman" panose="02020603050405020304" pitchFamily="18" charset="0"/>
-              </a:rPr>
-              <a:t>Оставление отзывов – возможность оставлять и изучить отзывы других учеников.</a:t>
+              <a:t>Оставление отзывов.</a:t>
             </a:r>
           </a:p>
         </p:txBody>
@@ -4421,7 +4295,7 @@
           <a:lstStyle/>
           <a:p>
             <a:r>
-              <a:rPr lang="ru-RU" dirty="0" smtClean="0">
+              <a:rPr lang="ru-RU" dirty="0">
                 <a:solidFill>
                   <a:schemeClr val="bg1"/>
                 </a:solidFill>
@@ -4431,7 +4305,7 @@
               <a:t>Мисник - 202</a:t>
             </a:r>
             <a:r>
-              <a:rPr lang="en-US" dirty="0" smtClean="0">
+              <a:rPr lang="en-US" dirty="0">
                 <a:solidFill>
                   <a:schemeClr val="bg1"/>
                 </a:solidFill>
@@ -4441,24 +4315,14 @@
               <a:t>3</a:t>
             </a:r>
             <a:r>
-              <a:rPr lang="ru-RU" dirty="0" smtClean="0">
+              <a:rPr lang="ru-RU" dirty="0">
                 <a:solidFill>
                   <a:schemeClr val="bg1"/>
                 </a:solidFill>
                 <a:latin typeface="Times New Roman" panose="02020603050405020304" pitchFamily="18" charset="0"/>
                 <a:cs typeface="Times New Roman" panose="02020603050405020304" pitchFamily="18" charset="0"/>
               </a:rPr>
-              <a:t> </a:t>
-            </a:r>
-            <a:r>
-              <a:rPr lang="ru-RU" dirty="0">
-                <a:solidFill>
-                  <a:schemeClr val="bg1"/>
-                </a:solidFill>
-                <a:latin typeface="Times New Roman" panose="02020603050405020304" pitchFamily="18" charset="0"/>
-                <a:cs typeface="Times New Roman" panose="02020603050405020304" pitchFamily="18" charset="0"/>
-              </a:rPr>
-              <a:t>год</a:t>
+              <a:t> год</a:t>
             </a:r>
           </a:p>
         </p:txBody>
@@ -4468,13 +4332,6 @@
   <p:clrMapOvr>
     <a:masterClrMapping/>
   </p:clrMapOvr>
-  <p:timing>
-    <p:tnLst>
-      <p:par>
-        <p:cTn id="1" dur="indefinite" restart="never" nodeType="tmRoot"/>
-      </p:par>
-    </p:tnLst>
-  </p:timing>
 </p:sld>
 </file>
 
@@ -4614,21 +4471,7 @@
                 <a:latin typeface="Times New Roman" panose="02020603050405020304" pitchFamily="18" charset="0"/>
                 <a:cs typeface="Times New Roman" panose="02020603050405020304" pitchFamily="18" charset="0"/>
               </a:rPr>
-              <a:t>С</a:t>
-            </a:r>
-            <a:r>
-              <a:rPr lang="ru-RU" dirty="0" smtClean="0">
-                <a:latin typeface="Times New Roman" panose="02020603050405020304" pitchFamily="18" charset="0"/>
-                <a:cs typeface="Times New Roman" panose="02020603050405020304" pitchFamily="18" charset="0"/>
-              </a:rPr>
-              <a:t>оздана </a:t>
-            </a:r>
-            <a:r>
-              <a:rPr lang="ru-RU" dirty="0">
-                <a:latin typeface="Times New Roman" panose="02020603050405020304" pitchFamily="18" charset="0"/>
-                <a:cs typeface="Times New Roman" panose="02020603050405020304" pitchFamily="18" charset="0"/>
-              </a:rPr>
-              <a:t>в </a:t>
+              <a:t>Создана в </a:t>
             </a:r>
             <a:r>
               <a:rPr lang="en-US" dirty="0">
@@ -4754,7 +4597,7 @@
           <a:lstStyle/>
           <a:p>
             <a:r>
-              <a:rPr lang="ru-RU" dirty="0" smtClean="0">
+              <a:rPr lang="ru-RU" dirty="0">
                 <a:solidFill>
                   <a:schemeClr val="bg1"/>
                 </a:solidFill>
@@ -4764,7 +4607,7 @@
               <a:t>Мисник - 202</a:t>
             </a:r>
             <a:r>
-              <a:rPr lang="en-US" dirty="0" smtClean="0">
+              <a:rPr lang="en-US" dirty="0">
                 <a:solidFill>
                   <a:schemeClr val="bg1"/>
                 </a:solidFill>
@@ -4774,24 +4617,14 @@
               <a:t>3</a:t>
             </a:r>
             <a:r>
-              <a:rPr lang="ru-RU" dirty="0" smtClean="0">
+              <a:rPr lang="ru-RU" dirty="0">
                 <a:solidFill>
                   <a:schemeClr val="bg1"/>
                 </a:solidFill>
                 <a:latin typeface="Times New Roman" panose="02020603050405020304" pitchFamily="18" charset="0"/>
                 <a:cs typeface="Times New Roman" panose="02020603050405020304" pitchFamily="18" charset="0"/>
               </a:rPr>
-              <a:t> </a:t>
-            </a:r>
-            <a:r>
-              <a:rPr lang="ru-RU" dirty="0">
-                <a:solidFill>
-                  <a:schemeClr val="bg1"/>
-                </a:solidFill>
-                <a:latin typeface="Times New Roman" panose="02020603050405020304" pitchFamily="18" charset="0"/>
-                <a:cs typeface="Times New Roman" panose="02020603050405020304" pitchFamily="18" charset="0"/>
-              </a:rPr>
-              <a:t>год</a:t>
+              <a:t> год</a:t>
             </a:r>
           </a:p>
         </p:txBody>
@@ -4801,13 +4634,6 @@
   <p:clrMapOvr>
     <a:masterClrMapping/>
   </p:clrMapOvr>
-  <p:timing>
-    <p:tnLst>
-      <p:par>
-        <p:cTn id="1" dur="indefinite" restart="never" nodeType="tmRoot"/>
-      </p:par>
-    </p:tnLst>
-  </p:timing>
 </p:sld>
 </file>
 
@@ -4830,6 +4656,58 @@
       </p:grpSpPr>
       <p:sp>
         <p:nvSpPr>
+          <p:cNvPr id="4" name="Прямоугольник 3">
+            <a:extLst>
+              <a:ext uri="{FF2B5EF4-FFF2-40B4-BE49-F238E27FC236}">
+                <a16:creationId xmlns:a16="http://schemas.microsoft.com/office/drawing/2014/main" id="{19C899D7-BFF3-469F-AB12-2281DDAEABE2}"/>
+              </a:ext>
+            </a:extLst>
+          </p:cNvPr>
+          <p:cNvSpPr/>
+          <p:nvPr/>
+        </p:nvSpPr>
+        <p:spPr>
+          <a:xfrm>
+            <a:off x="0" y="0"/>
+            <a:ext cx="9144000" cy="1124744"/>
+          </a:xfrm>
+          <a:prstGeom prst="rect">
+            <a:avLst/>
+          </a:prstGeom>
+          <a:solidFill>
+            <a:srgbClr val="CC0000"/>
+          </a:solidFill>
+          <a:ln>
+            <a:noFill/>
+          </a:ln>
+        </p:spPr>
+        <p:style>
+          <a:lnRef idx="2">
+            <a:schemeClr val="accent1">
+              <a:shade val="50000"/>
+            </a:schemeClr>
+          </a:lnRef>
+          <a:fillRef idx="1">
+            <a:schemeClr val="accent1"/>
+          </a:fillRef>
+          <a:effectRef idx="0">
+            <a:schemeClr val="accent1"/>
+          </a:effectRef>
+          <a:fontRef idx="minor">
+            <a:schemeClr val="lt1"/>
+          </a:fontRef>
+        </p:style>
+        <p:txBody>
+          <a:bodyPr rtlCol="0" anchor="ctr"/>
+          <a:lstStyle/>
+          <a:p>
+            <a:pPr algn="ctr"/>
+            <a:endParaRPr lang="ru-RU"/>
+          </a:p>
+        </p:txBody>
+      </p:sp>
+      <p:sp>
+        <p:nvSpPr>
           <p:cNvPr id="2" name="Заголовок 1"/>
           <p:cNvSpPr>
             <a:spLocks noGrp="1"/>
@@ -4838,7 +4716,12 @@
             <p:ph type="title"/>
           </p:nvPr>
         </p:nvSpPr>
-        <p:spPr/>
+        <p:spPr>
+          <a:xfrm>
+            <a:off x="395536" y="182563"/>
+            <a:ext cx="7886700" cy="759618"/>
+          </a:xfrm>
+        </p:spPr>
         <p:txBody>
           <a:bodyPr>
             <a:normAutofit/>
@@ -4846,7 +4729,10 @@
           <a:lstStyle/>
           <a:p>
             <a:r>
-              <a:rPr lang="ru-RU" sz="4000" dirty="0">
+              <a:rPr lang="ru-RU" sz="4000" b="1" dirty="0">
+                <a:solidFill>
+                  <a:schemeClr val="bg1"/>
+                </a:solidFill>
                 <a:latin typeface="Times New Roman" panose="02020603050405020304" pitchFamily="18" charset="0"/>
                 <a:cs typeface="Times New Roman" panose="02020603050405020304" pitchFamily="18" charset="0"/>
               </a:rPr>
@@ -4867,8 +4753,8 @@
         </p:nvSpPr>
         <p:spPr>
           <a:xfrm>
-            <a:off x="251520" y="1844824"/>
-            <a:ext cx="8435280" cy="4281339"/>
+            <a:off x="251520" y="1340769"/>
+            <a:ext cx="8496944" cy="4176464"/>
           </a:xfrm>
         </p:spPr>
         <p:txBody>
@@ -4877,7 +4763,7 @@
           </a:bodyPr>
           <a:lstStyle/>
           <a:p>
-            <a:pPr marL="0" indent="0">
+            <a:pPr indent="0" algn="just">
               <a:lnSpc>
                 <a:spcPct val="150000"/>
               </a:lnSpc>
@@ -4887,22 +4773,393 @@
               <a:buNone/>
             </a:pPr>
             <a:r>
-              <a:rPr lang="ru-RU" sz="2800" dirty="0" smtClean="0">
+              <a:rPr lang="ru-RU" sz="1800" dirty="0">
+                <a:effectLst/>
+                <a:latin typeface="Times New Roman" panose="02020603050405020304" pitchFamily="18" charset="0"/>
+                <a:ea typeface="Times New Roman" panose="02020603050405020304" pitchFamily="18" charset="0"/>
+              </a:rPr>
+              <a:t>Для разработки интернет-ресурса была выбрана среда разработки</a:t>
+            </a:r>
+            <a:r>
+              <a:rPr lang="ru-RU" sz="1800" dirty="0">
                 <a:solidFill>
                   <a:srgbClr val="FF0000"/>
                 </a:solidFill>
-                <a:latin typeface="Times New Roman" panose="02020603050405020304" pitchFamily="18" charset="0"/>
-                <a:cs typeface="Times New Roman" panose="02020603050405020304" pitchFamily="18" charset="0"/>
-              </a:rPr>
-              <a:t>Перечислить средства разработки</a:t>
-            </a:r>
-            <a:endParaRPr lang="ru-RU" sz="2800" dirty="0">
-              <a:solidFill>
-                <a:srgbClr val="FF0000"/>
-              </a:solidFill>
+                <a:effectLst/>
+                <a:latin typeface="Times New Roman" panose="02020603050405020304" pitchFamily="18" charset="0"/>
+                <a:ea typeface="Times New Roman" panose="02020603050405020304" pitchFamily="18" charset="0"/>
+              </a:rPr>
+              <a:t> </a:t>
+            </a:r>
+            <a:r>
+              <a:rPr lang="en-US" sz="1800" dirty="0">
+                <a:effectLst/>
+                <a:latin typeface="Times New Roman" panose="02020603050405020304" pitchFamily="18" charset="0"/>
+                <a:ea typeface="Times New Roman" panose="02020603050405020304" pitchFamily="18" charset="0"/>
+              </a:rPr>
+              <a:t>Visual Studio Code</a:t>
+            </a:r>
+            <a:r>
+              <a:rPr lang="ru-RU" sz="1800" dirty="0">
+                <a:effectLst/>
+                <a:latin typeface="Times New Roman" panose="02020603050405020304" pitchFamily="18" charset="0"/>
+                <a:ea typeface="Times New Roman" panose="02020603050405020304" pitchFamily="18" charset="0"/>
+              </a:rPr>
+              <a:t>. </a:t>
+            </a:r>
+            <a:endParaRPr lang="en-US" sz="1800" dirty="0">
+              <a:effectLst/>
               <a:latin typeface="Times New Roman" panose="02020603050405020304" pitchFamily="18" charset="0"/>
+              <a:ea typeface="Times New Roman" panose="02020603050405020304" pitchFamily="18" charset="0"/>
+            </a:endParaRPr>
+          </a:p>
+          <a:p>
+            <a:pPr indent="0" algn="just">
+              <a:lnSpc>
+                <a:spcPct val="150000"/>
+              </a:lnSpc>
+              <a:spcBef>
+                <a:spcPts val="0"/>
+              </a:spcBef>
+              <a:spcAft>
+                <a:spcPts val="800"/>
+              </a:spcAft>
+              <a:buNone/>
+            </a:pPr>
+            <a:r>
+              <a:rPr lang="ru-RU" sz="1800" dirty="0">
+                <a:solidFill>
+                  <a:srgbClr val="000000"/>
+                </a:solidFill>
+                <a:effectLst/>
+                <a:latin typeface="Times New Roman" panose="02020603050405020304" pitchFamily="18" charset="0"/>
+                <a:ea typeface="Calibri" panose="020F0502020204030204" pitchFamily="34" charset="0"/>
+                <a:cs typeface="Times New Roman" panose="02020603050405020304" pitchFamily="18" charset="0"/>
+              </a:rPr>
+              <a:t>В разработке сайта использовали языки программирования и верстки: </a:t>
+            </a:r>
+            <a:endParaRPr lang="ru-RU" sz="1800" dirty="0">
+              <a:effectLst/>
+              <a:latin typeface="Calibri" panose="020F0502020204030204" pitchFamily="34" charset="0"/>
+              <a:ea typeface="Calibri" panose="020F0502020204030204" pitchFamily="34" charset="0"/>
               <a:cs typeface="Times New Roman" panose="02020603050405020304" pitchFamily="18" charset="0"/>
             </a:endParaRPr>
+          </a:p>
+          <a:p>
+            <a:pPr marL="216000" indent="457200" algn="just">
+              <a:lnSpc>
+                <a:spcPct val="150000"/>
+              </a:lnSpc>
+              <a:spcBef>
+                <a:spcPts val="0"/>
+              </a:spcBef>
+            </a:pPr>
+            <a:r>
+              <a:rPr lang="en-US" sz="1800" dirty="0">
+                <a:solidFill>
+                  <a:srgbClr val="000000"/>
+                </a:solidFill>
+                <a:effectLst/>
+                <a:latin typeface="Times New Roman" panose="02020603050405020304" pitchFamily="18" charset="0"/>
+                <a:ea typeface="Calibri" panose="020F0502020204030204" pitchFamily="34" charset="0"/>
+                <a:cs typeface="Times New Roman" panose="02020603050405020304" pitchFamily="18" charset="0"/>
+              </a:rPr>
+              <a:t>HTML;</a:t>
+            </a:r>
+            <a:endParaRPr lang="ru-RU" sz="1800" dirty="0">
+              <a:solidFill>
+                <a:srgbClr val="000000"/>
+              </a:solidFill>
+              <a:effectLst/>
+              <a:latin typeface="Times New Roman" panose="02020603050405020304" pitchFamily="18" charset="0"/>
+              <a:ea typeface="Calibri" panose="020F0502020204030204" pitchFamily="34" charset="0"/>
+              <a:cs typeface="Times New Roman" panose="02020603050405020304" pitchFamily="18" charset="0"/>
+            </a:endParaRPr>
+          </a:p>
+          <a:p>
+            <a:pPr marL="216000" indent="457200" algn="just">
+              <a:lnSpc>
+                <a:spcPct val="100000"/>
+              </a:lnSpc>
+              <a:spcBef>
+                <a:spcPts val="0"/>
+              </a:spcBef>
+              <a:buNone/>
+            </a:pPr>
+            <a:endParaRPr lang="ru-RU" sz="1800" dirty="0">
+              <a:effectLst/>
+              <a:latin typeface="Calibri" panose="020F0502020204030204" pitchFamily="34" charset="0"/>
+              <a:ea typeface="Calibri" panose="020F0502020204030204" pitchFamily="34" charset="0"/>
+              <a:cs typeface="Times New Roman" panose="02020603050405020304" pitchFamily="18" charset="0"/>
+            </a:endParaRPr>
+          </a:p>
+          <a:p>
+            <a:pPr marL="216000" indent="457200" algn="just">
+              <a:lnSpc>
+                <a:spcPct val="100000"/>
+              </a:lnSpc>
+              <a:spcBef>
+                <a:spcPts val="0"/>
+              </a:spcBef>
+            </a:pPr>
+            <a:r>
+              <a:rPr lang="en-US" sz="1800" dirty="0">
+                <a:solidFill>
+                  <a:srgbClr val="000000"/>
+                </a:solidFill>
+                <a:effectLst/>
+                <a:latin typeface="Times New Roman" panose="02020603050405020304" pitchFamily="18" charset="0"/>
+                <a:ea typeface="Calibri" panose="020F0502020204030204" pitchFamily="34" charset="0"/>
+                <a:cs typeface="Times New Roman" panose="02020603050405020304" pitchFamily="18" charset="0"/>
+              </a:rPr>
+              <a:t>CSS;</a:t>
+            </a:r>
+            <a:endParaRPr lang="ru-RU" sz="1800" dirty="0">
+              <a:solidFill>
+                <a:srgbClr val="000000"/>
+              </a:solidFill>
+              <a:effectLst/>
+              <a:latin typeface="Times New Roman" panose="02020603050405020304" pitchFamily="18" charset="0"/>
+              <a:ea typeface="Calibri" panose="020F0502020204030204" pitchFamily="34" charset="0"/>
+              <a:cs typeface="Times New Roman" panose="02020603050405020304" pitchFamily="18" charset="0"/>
+            </a:endParaRPr>
+          </a:p>
+          <a:p>
+            <a:pPr marL="216000" indent="457200" algn="just">
+              <a:lnSpc>
+                <a:spcPct val="100000"/>
+              </a:lnSpc>
+              <a:spcBef>
+                <a:spcPts val="0"/>
+              </a:spcBef>
+              <a:buNone/>
+            </a:pPr>
+            <a:endParaRPr lang="ru-RU" sz="1800" dirty="0">
+              <a:effectLst/>
+              <a:latin typeface="Calibri" panose="020F0502020204030204" pitchFamily="34" charset="0"/>
+              <a:ea typeface="Calibri" panose="020F0502020204030204" pitchFamily="34" charset="0"/>
+              <a:cs typeface="Times New Roman" panose="02020603050405020304" pitchFamily="18" charset="0"/>
+            </a:endParaRPr>
+          </a:p>
+          <a:p>
+            <a:pPr marL="216000" indent="457200" algn="just">
+              <a:lnSpc>
+                <a:spcPct val="100000"/>
+              </a:lnSpc>
+              <a:spcBef>
+                <a:spcPts val="0"/>
+              </a:spcBef>
+            </a:pPr>
+            <a:r>
+              <a:rPr lang="en-US" sz="1800" dirty="0">
+                <a:solidFill>
+                  <a:srgbClr val="000000"/>
+                </a:solidFill>
+                <a:effectLst/>
+                <a:latin typeface="Times New Roman" panose="02020603050405020304" pitchFamily="18" charset="0"/>
+                <a:ea typeface="Calibri" panose="020F0502020204030204" pitchFamily="34" charset="0"/>
+                <a:cs typeface="Times New Roman" panose="02020603050405020304" pitchFamily="18" charset="0"/>
+              </a:rPr>
+              <a:t>PHP;</a:t>
+            </a:r>
+            <a:endParaRPr lang="ru-RU" sz="1800" dirty="0">
+              <a:solidFill>
+                <a:srgbClr val="000000"/>
+              </a:solidFill>
+              <a:effectLst/>
+              <a:latin typeface="Times New Roman" panose="02020603050405020304" pitchFamily="18" charset="0"/>
+              <a:ea typeface="Calibri" panose="020F0502020204030204" pitchFamily="34" charset="0"/>
+              <a:cs typeface="Times New Roman" panose="02020603050405020304" pitchFamily="18" charset="0"/>
+            </a:endParaRPr>
+          </a:p>
+          <a:p>
+            <a:pPr marL="216000" indent="457200" algn="just">
+              <a:lnSpc>
+                <a:spcPct val="100000"/>
+              </a:lnSpc>
+              <a:spcBef>
+                <a:spcPts val="0"/>
+              </a:spcBef>
+              <a:buNone/>
+            </a:pPr>
+            <a:endParaRPr lang="ru-RU" sz="1800" dirty="0">
+              <a:effectLst/>
+              <a:latin typeface="Calibri" panose="020F0502020204030204" pitchFamily="34" charset="0"/>
+              <a:ea typeface="Calibri" panose="020F0502020204030204" pitchFamily="34" charset="0"/>
+              <a:cs typeface="Times New Roman" panose="02020603050405020304" pitchFamily="18" charset="0"/>
+            </a:endParaRPr>
+          </a:p>
+          <a:p>
+            <a:pPr marL="216000" indent="457200" algn="just">
+              <a:lnSpc>
+                <a:spcPct val="100000"/>
+              </a:lnSpc>
+              <a:spcBef>
+                <a:spcPts val="0"/>
+              </a:spcBef>
+              <a:spcAft>
+                <a:spcPts val="1000"/>
+              </a:spcAft>
+            </a:pPr>
+            <a:r>
+              <a:rPr lang="en-US" sz="1800" dirty="0">
+                <a:solidFill>
+                  <a:srgbClr val="000000"/>
+                </a:solidFill>
+                <a:effectLst/>
+                <a:latin typeface="Times New Roman" panose="02020603050405020304" pitchFamily="18" charset="0"/>
+                <a:ea typeface="Calibri" panose="020F0502020204030204" pitchFamily="34" charset="0"/>
+                <a:cs typeface="Times New Roman" panose="02020603050405020304" pitchFamily="18" charset="0"/>
+              </a:rPr>
+              <a:t>JavaScript</a:t>
+            </a:r>
+            <a:r>
+              <a:rPr lang="ru-RU" sz="1800" dirty="0">
+                <a:solidFill>
+                  <a:srgbClr val="000000"/>
+                </a:solidFill>
+                <a:effectLst/>
+                <a:latin typeface="Times New Roman" panose="02020603050405020304" pitchFamily="18" charset="0"/>
+                <a:ea typeface="Calibri" panose="020F0502020204030204" pitchFamily="34" charset="0"/>
+                <a:cs typeface="Times New Roman" panose="02020603050405020304" pitchFamily="18" charset="0"/>
+              </a:rPr>
+              <a:t>.</a:t>
+            </a:r>
+            <a:endParaRPr lang="ru-RU" sz="1800" dirty="0">
+              <a:effectLst/>
+              <a:latin typeface="Calibri" panose="020F0502020204030204" pitchFamily="34" charset="0"/>
+              <a:ea typeface="Calibri" panose="020F0502020204030204" pitchFamily="34" charset="0"/>
+              <a:cs typeface="Times New Roman" panose="02020603050405020304" pitchFamily="18" charset="0"/>
+            </a:endParaRPr>
+          </a:p>
+          <a:p>
+            <a:pPr indent="0" algn="just">
+              <a:lnSpc>
+                <a:spcPct val="150000"/>
+              </a:lnSpc>
+              <a:buNone/>
+            </a:pPr>
+            <a:endParaRPr lang="ru-RU" sz="1800" dirty="0">
+              <a:effectLst/>
+              <a:latin typeface="Times New Roman" panose="02020603050405020304" pitchFamily="18" charset="0"/>
+              <a:ea typeface="Times New Roman" panose="02020603050405020304" pitchFamily="18" charset="0"/>
+            </a:endParaRPr>
+          </a:p>
+        </p:txBody>
+      </p:sp>
+      <p:sp>
+        <p:nvSpPr>
+          <p:cNvPr id="5" name="Прямоугольник 4">
+            <a:extLst>
+              <a:ext uri="{FF2B5EF4-FFF2-40B4-BE49-F238E27FC236}">
+                <a16:creationId xmlns:a16="http://schemas.microsoft.com/office/drawing/2014/main" id="{4276181B-C723-47CE-ACC1-330A5791A873}"/>
+              </a:ext>
+            </a:extLst>
+          </p:cNvPr>
+          <p:cNvSpPr/>
+          <p:nvPr/>
+        </p:nvSpPr>
+        <p:spPr>
+          <a:xfrm>
+            <a:off x="-11042" y="6165304"/>
+            <a:ext cx="9144000" cy="692696"/>
+          </a:xfrm>
+          <a:prstGeom prst="rect">
+            <a:avLst/>
+          </a:prstGeom>
+          <a:solidFill>
+            <a:schemeClr val="tx1">
+              <a:lumMod val="85000"/>
+              <a:lumOff val="15000"/>
+            </a:schemeClr>
+          </a:solidFill>
+          <a:ln>
+            <a:noFill/>
+          </a:ln>
+        </p:spPr>
+        <p:style>
+          <a:lnRef idx="2">
+            <a:schemeClr val="accent1">
+              <a:shade val="50000"/>
+            </a:schemeClr>
+          </a:lnRef>
+          <a:fillRef idx="1">
+            <a:schemeClr val="accent1"/>
+          </a:fillRef>
+          <a:effectRef idx="0">
+            <a:schemeClr val="accent1"/>
+          </a:effectRef>
+          <a:fontRef idx="minor">
+            <a:schemeClr val="lt1"/>
+          </a:fontRef>
+        </p:style>
+        <p:txBody>
+          <a:bodyPr rtlCol="0" anchor="ctr"/>
+          <a:lstStyle/>
+          <a:p>
+            <a:pPr algn="ctr"/>
+            <a:endParaRPr lang="ru-RU"/>
+          </a:p>
+        </p:txBody>
+      </p:sp>
+      <p:sp>
+        <p:nvSpPr>
+          <p:cNvPr id="6" name="TextBox 5">
+            <a:extLst>
+              <a:ext uri="{FF2B5EF4-FFF2-40B4-BE49-F238E27FC236}">
+                <a16:creationId xmlns:a16="http://schemas.microsoft.com/office/drawing/2014/main" id="{F4FADA91-8D46-446B-ADFE-A5399CC0E6A2}"/>
+              </a:ext>
+            </a:extLst>
+          </p:cNvPr>
+          <p:cNvSpPr txBox="1"/>
+          <p:nvPr/>
+        </p:nvSpPr>
+        <p:spPr>
+          <a:xfrm>
+            <a:off x="3571373" y="6326615"/>
+            <a:ext cx="2001253" cy="369332"/>
+          </a:xfrm>
+          <a:prstGeom prst="rect">
+            <a:avLst/>
+          </a:prstGeom>
+          <a:noFill/>
+        </p:spPr>
+        <p:txBody>
+          <a:bodyPr wrap="none" rtlCol="0">
+            <a:spAutoFit/>
+          </a:bodyPr>
+          <a:lstStyle/>
+          <a:p>
+            <a:r>
+              <a:rPr lang="ru-RU" dirty="0">
+                <a:solidFill>
+                  <a:schemeClr val="bg1"/>
+                </a:solidFill>
+                <a:latin typeface="Times New Roman" panose="02020603050405020304" pitchFamily="18" charset="0"/>
+                <a:cs typeface="Times New Roman" panose="02020603050405020304" pitchFamily="18" charset="0"/>
+              </a:rPr>
+              <a:t>Мисник - 202</a:t>
+            </a:r>
+            <a:r>
+              <a:rPr lang="en-US" dirty="0">
+                <a:solidFill>
+                  <a:schemeClr val="bg1"/>
+                </a:solidFill>
+                <a:latin typeface="Times New Roman" panose="02020603050405020304" pitchFamily="18" charset="0"/>
+                <a:cs typeface="Times New Roman" panose="02020603050405020304" pitchFamily="18" charset="0"/>
+              </a:rPr>
+              <a:t>3</a:t>
+            </a:r>
+            <a:r>
+              <a:rPr lang="ru-RU" dirty="0">
+                <a:solidFill>
+                  <a:schemeClr val="bg1"/>
+                </a:solidFill>
+                <a:latin typeface="Times New Roman" panose="02020603050405020304" pitchFamily="18" charset="0"/>
+                <a:cs typeface="Times New Roman" panose="02020603050405020304" pitchFamily="18" charset="0"/>
+              </a:rPr>
+              <a:t> год</a:t>
+            </a:r>
           </a:p>
         </p:txBody>
       </p:sp>
@@ -4911,13 +5168,6 @@
   <p:clrMapOvr>
     <a:masterClrMapping/>
   </p:clrMapOvr>
-  <p:timing>
-    <p:tnLst>
-      <p:par>
-        <p:cTn id="1" dur="indefinite" restart="never" nodeType="tmRoot"/>
-      </p:par>
-    </p:tnLst>
-  </p:timing>
 </p:sld>
 </file>
 
@@ -4940,6 +5190,58 @@
       </p:grpSpPr>
       <p:sp>
         <p:nvSpPr>
+          <p:cNvPr id="4" name="Прямоугольник 3">
+            <a:extLst>
+              <a:ext uri="{FF2B5EF4-FFF2-40B4-BE49-F238E27FC236}">
+                <a16:creationId xmlns:a16="http://schemas.microsoft.com/office/drawing/2014/main" id="{81812E58-8AD8-4F88-A607-DC37676CAB34}"/>
+              </a:ext>
+            </a:extLst>
+          </p:cNvPr>
+          <p:cNvSpPr/>
+          <p:nvPr/>
+        </p:nvSpPr>
+        <p:spPr>
+          <a:xfrm>
+            <a:off x="0" y="0"/>
+            <a:ext cx="9144000" cy="1124744"/>
+          </a:xfrm>
+          <a:prstGeom prst="rect">
+            <a:avLst/>
+          </a:prstGeom>
+          <a:solidFill>
+            <a:srgbClr val="CC0000"/>
+          </a:solidFill>
+          <a:ln>
+            <a:noFill/>
+          </a:ln>
+        </p:spPr>
+        <p:style>
+          <a:lnRef idx="2">
+            <a:schemeClr val="accent1">
+              <a:shade val="50000"/>
+            </a:schemeClr>
+          </a:lnRef>
+          <a:fillRef idx="1">
+            <a:schemeClr val="accent1"/>
+          </a:fillRef>
+          <a:effectRef idx="0">
+            <a:schemeClr val="accent1"/>
+          </a:effectRef>
+          <a:fontRef idx="minor">
+            <a:schemeClr val="lt1"/>
+          </a:fontRef>
+        </p:style>
+        <p:txBody>
+          <a:bodyPr rtlCol="0" anchor="ctr"/>
+          <a:lstStyle/>
+          <a:p>
+            <a:pPr algn="ctr"/>
+            <a:endParaRPr lang="ru-RU"/>
+          </a:p>
+        </p:txBody>
+      </p:sp>
+      <p:sp>
+        <p:nvSpPr>
           <p:cNvPr id="2" name="Заголовок 1"/>
           <p:cNvSpPr>
             <a:spLocks noGrp="1"/>
@@ -4948,7 +5250,12 @@
             <p:ph type="title"/>
           </p:nvPr>
         </p:nvSpPr>
-        <p:spPr/>
+        <p:spPr>
+          <a:xfrm>
+            <a:off x="323528" y="94320"/>
+            <a:ext cx="7886700" cy="936104"/>
+          </a:xfrm>
+        </p:spPr>
         <p:txBody>
           <a:bodyPr>
             <a:normAutofit/>
@@ -4956,23 +5263,15 @@
           <a:lstStyle/>
           <a:p>
             <a:r>
-              <a:rPr lang="ru-RU" sz="4000" dirty="0">
-                <a:latin typeface="Times New Roman" panose="02020603050405020304" pitchFamily="18" charset="0"/>
-                <a:cs typeface="Times New Roman" panose="02020603050405020304" pitchFamily="18" charset="0"/>
-              </a:rPr>
-              <a:t>Интерфейс </a:t>
-            </a:r>
-            <a:r>
-              <a:rPr lang="ru-RU" sz="4000" dirty="0" smtClean="0">
-                <a:latin typeface="Times New Roman" panose="02020603050405020304" pitchFamily="18" charset="0"/>
-                <a:cs typeface="Times New Roman" panose="02020603050405020304" pitchFamily="18" charset="0"/>
-              </a:rPr>
-              <a:t>веб-приложения</a:t>
-            </a:r>
-            <a:endParaRPr lang="ru-RU" sz="4000" dirty="0">
-              <a:latin typeface="Times New Roman" panose="02020603050405020304" pitchFamily="18" charset="0"/>
-              <a:cs typeface="Times New Roman" panose="02020603050405020304" pitchFamily="18" charset="0"/>
-            </a:endParaRPr>
+              <a:rPr lang="ru-RU" sz="4000" b="1" dirty="0">
+                <a:solidFill>
+                  <a:schemeClr val="bg1"/>
+                </a:solidFill>
+                <a:latin typeface="Times New Roman" panose="02020603050405020304" pitchFamily="18" charset="0"/>
+                <a:cs typeface="Times New Roman" panose="02020603050405020304" pitchFamily="18" charset="0"/>
+              </a:rPr>
+              <a:t>Интерфейс веб-приложения</a:t>
+            </a:r>
           </a:p>
         </p:txBody>
       </p:sp>
@@ -4988,30 +5287,308 @@
         </p:nvSpPr>
         <p:spPr>
           <a:xfrm>
-            <a:off x="323528" y="1349895"/>
-            <a:ext cx="8820472" cy="1143001"/>
-          </a:xfrm>
-        </p:spPr>
-        <p:txBody>
-          <a:bodyPr/>
-          <a:lstStyle/>
-          <a:p>
-            <a:pPr marL="0" indent="0">
+            <a:off x="5508104" y="1988840"/>
+            <a:ext cx="2952328" cy="1224136"/>
+          </a:xfrm>
+        </p:spPr>
+        <p:txBody>
+          <a:bodyPr>
+            <a:noAutofit/>
+          </a:bodyPr>
+          <a:lstStyle/>
+          <a:p>
+            <a:pPr marL="0" indent="0" algn="ctr">
               <a:buNone/>
             </a:pPr>
             <a:r>
-              <a:rPr lang="ru-RU" dirty="0" smtClean="0">
+              <a:rPr lang="ru-RU" sz="3600" b="1" dirty="0">
                 <a:solidFill>
                   <a:srgbClr val="FF0000"/>
                 </a:solidFill>
-              </a:rPr>
-              <a:t>Создать 2-4 слайда с внешним видом веб-приложения, подписать какое это окно</a:t>
-            </a:r>
-            <a:endParaRPr lang="ru-RU" dirty="0">
-              <a:solidFill>
-                <a:srgbClr val="FF0000"/>
-              </a:solidFill>
-            </a:endParaRPr>
+                <a:latin typeface="Times New Roman" panose="02020603050405020304" pitchFamily="18" charset="0"/>
+                <a:cs typeface="Times New Roman" panose="02020603050405020304" pitchFamily="18" charset="0"/>
+              </a:rPr>
+              <a:t>Главная страница</a:t>
+            </a:r>
+          </a:p>
+        </p:txBody>
+      </p:sp>
+      <p:pic>
+        <p:nvPicPr>
+          <p:cNvPr id="5" name="Рисунок 4">
+            <a:extLst>
+              <a:ext uri="{FF2B5EF4-FFF2-40B4-BE49-F238E27FC236}">
+                <a16:creationId xmlns:a16="http://schemas.microsoft.com/office/drawing/2014/main" id="{77043F5D-4909-43D0-B3D3-3CCF622D48F8}"/>
+              </a:ext>
+            </a:extLst>
+          </p:cNvPr>
+          <p:cNvPicPr/>
+          <p:nvPr/>
+        </p:nvPicPr>
+        <p:blipFill rotWithShape="1">
+          <a:blip r:embed="rId2"/>
+          <a:srcRect l="2488" t="4020"/>
+          <a:stretch/>
+        </p:blipFill>
+        <p:spPr bwMode="auto">
+          <a:xfrm>
+            <a:off x="315635" y="1230161"/>
+            <a:ext cx="4832429" cy="2675405"/>
+          </a:xfrm>
+          <a:prstGeom prst="rect">
+            <a:avLst/>
+          </a:prstGeom>
+          <a:ln>
+            <a:noFill/>
+          </a:ln>
+          <a:extLst>
+            <a:ext uri="{53640926-AAD7-44D8-BBD7-CCE9431645EC}">
+              <a14:shadowObscured xmlns:a14="http://schemas.microsoft.com/office/drawing/2010/main"/>
+            </a:ext>
+          </a:extLst>
+        </p:spPr>
+      </p:pic>
+      <p:pic>
+        <p:nvPicPr>
+          <p:cNvPr id="7" name="Рисунок 6">
+            <a:extLst>
+              <a:ext uri="{FF2B5EF4-FFF2-40B4-BE49-F238E27FC236}">
+                <a16:creationId xmlns:a16="http://schemas.microsoft.com/office/drawing/2014/main" id="{C50EE10D-F104-4C9C-A29E-7D20804094F1}"/>
+              </a:ext>
+            </a:extLst>
+          </p:cNvPr>
+          <p:cNvPicPr/>
+          <p:nvPr/>
+        </p:nvPicPr>
+        <p:blipFill rotWithShape="1">
+          <a:blip r:embed="rId3"/>
+          <a:srcRect l="2673" t="3611"/>
+          <a:stretch/>
+        </p:blipFill>
+        <p:spPr bwMode="auto">
+          <a:xfrm>
+            <a:off x="4185309" y="4077072"/>
+            <a:ext cx="4643056" cy="2586369"/>
+          </a:xfrm>
+          <a:prstGeom prst="rect">
+            <a:avLst/>
+          </a:prstGeom>
+          <a:ln>
+            <a:noFill/>
+          </a:ln>
+          <a:extLst>
+            <a:ext uri="{53640926-AAD7-44D8-BBD7-CCE9431645EC}">
+              <a14:shadowObscured xmlns:a14="http://schemas.microsoft.com/office/drawing/2010/main"/>
+            </a:ext>
+          </a:extLst>
+        </p:spPr>
+      </p:pic>
+      <p:sp>
+        <p:nvSpPr>
+          <p:cNvPr id="8" name="Содержимое 2">
+            <a:extLst>
+              <a:ext uri="{FF2B5EF4-FFF2-40B4-BE49-F238E27FC236}">
+                <a16:creationId xmlns:a16="http://schemas.microsoft.com/office/drawing/2014/main" id="{90940E9F-0154-4D6A-8E43-173704446BBA}"/>
+              </a:ext>
+            </a:extLst>
+          </p:cNvPr>
+          <p:cNvSpPr txBox="1">
+            <a:spLocks/>
+          </p:cNvSpPr>
+          <p:nvPr/>
+        </p:nvSpPr>
+        <p:spPr>
+          <a:xfrm>
+            <a:off x="1115616" y="5010216"/>
+            <a:ext cx="1869561" cy="720080"/>
+          </a:xfrm>
+          <a:prstGeom prst="rect">
+            <a:avLst/>
+          </a:prstGeom>
+        </p:spPr>
+        <p:txBody>
+          <a:bodyPr vert="horz" lIns="91440" tIns="45720" rIns="91440" bIns="45720" rtlCol="0">
+            <a:normAutofit/>
+          </a:bodyPr>
+          <a:lstStyle>
+            <a:lvl1pPr marL="171450" indent="-171450" algn="l" defTabSz="685800" rtl="0" eaLnBrk="1" latinLnBrk="0" hangingPunct="1">
+              <a:lnSpc>
+                <a:spcPct val="90000"/>
+              </a:lnSpc>
+              <a:spcBef>
+                <a:spcPts val="750"/>
+              </a:spcBef>
+              <a:buFont typeface="Arial" panose="020B0604020202020204" pitchFamily="34" charset="0"/>
+              <a:buChar char="•"/>
+              <a:defRPr sz="2100" kern="1200">
+                <a:solidFill>
+                  <a:schemeClr val="tx1"/>
+                </a:solidFill>
+                <a:latin typeface="+mn-lt"/>
+                <a:ea typeface="+mn-ea"/>
+                <a:cs typeface="+mn-cs"/>
+              </a:defRPr>
+            </a:lvl1pPr>
+            <a:lvl2pPr marL="514350" indent="-171450" algn="l" defTabSz="685800" rtl="0" eaLnBrk="1" latinLnBrk="0" hangingPunct="1">
+              <a:lnSpc>
+                <a:spcPct val="90000"/>
+              </a:lnSpc>
+              <a:spcBef>
+                <a:spcPts val="375"/>
+              </a:spcBef>
+              <a:buFont typeface="Arial" panose="020B0604020202020204" pitchFamily="34" charset="0"/>
+              <a:buChar char="•"/>
+              <a:defRPr sz="1800" kern="1200">
+                <a:solidFill>
+                  <a:schemeClr val="tx1"/>
+                </a:solidFill>
+                <a:latin typeface="+mn-lt"/>
+                <a:ea typeface="+mn-ea"/>
+                <a:cs typeface="+mn-cs"/>
+              </a:defRPr>
+            </a:lvl2pPr>
+            <a:lvl3pPr marL="857250" indent="-171450" algn="l" defTabSz="685800" rtl="0" eaLnBrk="1" latinLnBrk="0" hangingPunct="1">
+              <a:lnSpc>
+                <a:spcPct val="90000"/>
+              </a:lnSpc>
+              <a:spcBef>
+                <a:spcPts val="375"/>
+              </a:spcBef>
+              <a:buFont typeface="Arial" panose="020B0604020202020204" pitchFamily="34" charset="0"/>
+              <a:buChar char="•"/>
+              <a:defRPr sz="1500" kern="1200">
+                <a:solidFill>
+                  <a:schemeClr val="tx1"/>
+                </a:solidFill>
+                <a:latin typeface="+mn-lt"/>
+                <a:ea typeface="+mn-ea"/>
+                <a:cs typeface="+mn-cs"/>
+              </a:defRPr>
+            </a:lvl3pPr>
+            <a:lvl4pPr marL="1200150" indent="-171450" algn="l" defTabSz="685800" rtl="0" eaLnBrk="1" latinLnBrk="0" hangingPunct="1">
+              <a:lnSpc>
+                <a:spcPct val="90000"/>
+              </a:lnSpc>
+              <a:spcBef>
+                <a:spcPts val="375"/>
+              </a:spcBef>
+              <a:buFont typeface="Arial" panose="020B0604020202020204" pitchFamily="34" charset="0"/>
+              <a:buChar char="•"/>
+              <a:defRPr sz="1350" kern="1200">
+                <a:solidFill>
+                  <a:schemeClr val="tx1"/>
+                </a:solidFill>
+                <a:latin typeface="+mn-lt"/>
+                <a:ea typeface="+mn-ea"/>
+                <a:cs typeface="+mn-cs"/>
+              </a:defRPr>
+            </a:lvl4pPr>
+            <a:lvl5pPr marL="1543050" indent="-171450" algn="l" defTabSz="685800" rtl="0" eaLnBrk="1" latinLnBrk="0" hangingPunct="1">
+              <a:lnSpc>
+                <a:spcPct val="90000"/>
+              </a:lnSpc>
+              <a:spcBef>
+                <a:spcPts val="375"/>
+              </a:spcBef>
+              <a:buFont typeface="Arial" panose="020B0604020202020204" pitchFamily="34" charset="0"/>
+              <a:buChar char="•"/>
+              <a:defRPr sz="1350" kern="1200">
+                <a:solidFill>
+                  <a:schemeClr val="tx1"/>
+                </a:solidFill>
+                <a:latin typeface="+mn-lt"/>
+                <a:ea typeface="+mn-ea"/>
+                <a:cs typeface="+mn-cs"/>
+              </a:defRPr>
+            </a:lvl5pPr>
+            <a:lvl6pPr marL="1885950" indent="-171450" algn="l" defTabSz="685800" rtl="0" eaLnBrk="1" latinLnBrk="0" hangingPunct="1">
+              <a:lnSpc>
+                <a:spcPct val="90000"/>
+              </a:lnSpc>
+              <a:spcBef>
+                <a:spcPts val="375"/>
+              </a:spcBef>
+              <a:buFont typeface="Arial" panose="020B0604020202020204" pitchFamily="34" charset="0"/>
+              <a:buChar char="•"/>
+              <a:defRPr sz="1350" kern="1200">
+                <a:solidFill>
+                  <a:schemeClr val="tx1"/>
+                </a:solidFill>
+                <a:latin typeface="+mn-lt"/>
+                <a:ea typeface="+mn-ea"/>
+                <a:cs typeface="+mn-cs"/>
+              </a:defRPr>
+            </a:lvl6pPr>
+            <a:lvl7pPr marL="2228850" indent="-171450" algn="l" defTabSz="685800" rtl="0" eaLnBrk="1" latinLnBrk="0" hangingPunct="1">
+              <a:lnSpc>
+                <a:spcPct val="90000"/>
+              </a:lnSpc>
+              <a:spcBef>
+                <a:spcPts val="375"/>
+              </a:spcBef>
+              <a:buFont typeface="Arial" panose="020B0604020202020204" pitchFamily="34" charset="0"/>
+              <a:buChar char="•"/>
+              <a:defRPr sz="1350" kern="1200">
+                <a:solidFill>
+                  <a:schemeClr val="tx1"/>
+                </a:solidFill>
+                <a:latin typeface="+mn-lt"/>
+                <a:ea typeface="+mn-ea"/>
+                <a:cs typeface="+mn-cs"/>
+              </a:defRPr>
+            </a:lvl7pPr>
+            <a:lvl8pPr marL="2571750" indent="-171450" algn="l" defTabSz="685800" rtl="0" eaLnBrk="1" latinLnBrk="0" hangingPunct="1">
+              <a:lnSpc>
+                <a:spcPct val="90000"/>
+              </a:lnSpc>
+              <a:spcBef>
+                <a:spcPts val="375"/>
+              </a:spcBef>
+              <a:buFont typeface="Arial" panose="020B0604020202020204" pitchFamily="34" charset="0"/>
+              <a:buChar char="•"/>
+              <a:defRPr sz="1350" kern="1200">
+                <a:solidFill>
+                  <a:schemeClr val="tx1"/>
+                </a:solidFill>
+                <a:latin typeface="+mn-lt"/>
+                <a:ea typeface="+mn-ea"/>
+                <a:cs typeface="+mn-cs"/>
+              </a:defRPr>
+            </a:lvl8pPr>
+            <a:lvl9pPr marL="2914650" indent="-171450" algn="l" defTabSz="685800" rtl="0" eaLnBrk="1" latinLnBrk="0" hangingPunct="1">
+              <a:lnSpc>
+                <a:spcPct val="90000"/>
+              </a:lnSpc>
+              <a:spcBef>
+                <a:spcPts val="375"/>
+              </a:spcBef>
+              <a:buFont typeface="Arial" panose="020B0604020202020204" pitchFamily="34" charset="0"/>
+              <a:buChar char="•"/>
+              <a:defRPr sz="1350" kern="1200">
+                <a:solidFill>
+                  <a:schemeClr val="tx1"/>
+                </a:solidFill>
+                <a:latin typeface="+mn-lt"/>
+                <a:ea typeface="+mn-ea"/>
+                <a:cs typeface="+mn-cs"/>
+              </a:defRPr>
+            </a:lvl9pPr>
+          </a:lstStyle>
+          <a:p>
+            <a:pPr marL="0" indent="0" algn="ctr">
+              <a:buFont typeface="Arial" panose="020B0604020202020204" pitchFamily="34" charset="0"/>
+              <a:buNone/>
+            </a:pPr>
+            <a:r>
+              <a:rPr lang="ru-RU" sz="3600" b="1" dirty="0">
+                <a:solidFill>
+                  <a:srgbClr val="FF0000"/>
+                </a:solidFill>
+                <a:latin typeface="Times New Roman" panose="02020603050405020304" pitchFamily="18" charset="0"/>
+                <a:cs typeface="Times New Roman" panose="02020603050405020304" pitchFamily="18" charset="0"/>
+              </a:rPr>
+              <a:t>Футер</a:t>
+            </a:r>
           </a:p>
         </p:txBody>
       </p:sp>
@@ -5020,13 +5597,6 @@
   <p:clrMapOvr>
     <a:masterClrMapping/>
   </p:clrMapOvr>
-  <p:timing>
-    <p:tnLst>
-      <p:par>
-        <p:cTn id="1" dur="indefinite" restart="never" nodeType="tmRoot"/>
-      </p:par>
-    </p:tnLst>
-  </p:timing>
 </p:sld>
 </file>
 
@@ -5049,7 +5619,65 @@
       </p:grpSpPr>
       <p:sp>
         <p:nvSpPr>
-          <p:cNvPr id="2" name="Заголовок 1"/>
+          <p:cNvPr id="4" name="Прямоугольник 3">
+            <a:extLst>
+              <a:ext uri="{FF2B5EF4-FFF2-40B4-BE49-F238E27FC236}">
+                <a16:creationId xmlns:a16="http://schemas.microsoft.com/office/drawing/2014/main" id="{A0ABF48E-25C5-4C54-AAA3-2D861092AD2D}"/>
+              </a:ext>
+            </a:extLst>
+          </p:cNvPr>
+          <p:cNvSpPr/>
+          <p:nvPr/>
+        </p:nvSpPr>
+        <p:spPr>
+          <a:xfrm>
+            <a:off x="0" y="0"/>
+            <a:ext cx="9144000" cy="1124744"/>
+          </a:xfrm>
+          <a:prstGeom prst="rect">
+            <a:avLst/>
+          </a:prstGeom>
+          <a:solidFill>
+            <a:srgbClr val="CC0000"/>
+          </a:solidFill>
+          <a:ln>
+            <a:noFill/>
+          </a:ln>
+        </p:spPr>
+        <p:style>
+          <a:lnRef idx="2">
+            <a:schemeClr val="accent1">
+              <a:shade val="50000"/>
+            </a:schemeClr>
+          </a:lnRef>
+          <a:fillRef idx="1">
+            <a:schemeClr val="accent1"/>
+          </a:fillRef>
+          <a:effectRef idx="0">
+            <a:schemeClr val="accent1"/>
+          </a:effectRef>
+          <a:fontRef idx="minor">
+            <a:schemeClr val="lt1"/>
+          </a:fontRef>
+        </p:style>
+        <p:txBody>
+          <a:bodyPr rtlCol="0" anchor="ctr"/>
+          <a:lstStyle/>
+          <a:p>
+            <a:pPr algn="ctr"/>
+            <a:endParaRPr lang="ru-RU"/>
+          </a:p>
+        </p:txBody>
+      </p:sp>
+      <p:sp>
+        <p:nvSpPr>
+          <p:cNvPr id="5" name="Заголовок 1">
+            <a:extLst>
+              <a:ext uri="{FF2B5EF4-FFF2-40B4-BE49-F238E27FC236}">
+                <a16:creationId xmlns:a16="http://schemas.microsoft.com/office/drawing/2014/main" id="{D7255954-E6B1-4DCD-B8A2-7F9517292038}"/>
+              </a:ext>
+            </a:extLst>
+          </p:cNvPr>
           <p:cNvSpPr>
             <a:spLocks noGrp="1"/>
           </p:cNvSpPr>
@@ -5057,7 +5685,12 @@
             <p:ph type="title"/>
           </p:nvPr>
         </p:nvSpPr>
-        <p:spPr/>
+        <p:spPr>
+          <a:xfrm>
+            <a:off x="323528" y="94320"/>
+            <a:ext cx="7886700" cy="936104"/>
+          </a:xfrm>
+        </p:spPr>
         <p:txBody>
           <a:bodyPr>
             <a:normAutofit/>
@@ -5065,18 +5698,62 @@
           <a:lstStyle/>
           <a:p>
             <a:r>
-              <a:rPr lang="ru-RU" dirty="0">
-                <a:latin typeface="Times New Roman" panose="02020603050405020304" pitchFamily="18" charset="0"/>
-                <a:cs typeface="Times New Roman" panose="02020603050405020304" pitchFamily="18" charset="0"/>
-              </a:rPr>
-              <a:t>Заключение</a:t>
-            </a:r>
-          </a:p>
-        </p:txBody>
-      </p:sp>
-      <p:sp>
-        <p:nvSpPr>
-          <p:cNvPr id="3" name="Содержимое 2"/>
+              <a:rPr lang="ru-RU" sz="4000" b="1" dirty="0">
+                <a:solidFill>
+                  <a:schemeClr val="bg1"/>
+                </a:solidFill>
+                <a:latin typeface="Times New Roman" panose="02020603050405020304" pitchFamily="18" charset="0"/>
+                <a:cs typeface="Times New Roman" panose="02020603050405020304" pitchFamily="18" charset="0"/>
+              </a:rPr>
+              <a:t>Интерфейс веб-приложения</a:t>
+            </a:r>
+          </a:p>
+        </p:txBody>
+      </p:sp>
+      <p:pic>
+        <p:nvPicPr>
+          <p:cNvPr id="6" name="Рисунок 5">
+            <a:extLst>
+              <a:ext uri="{FF2B5EF4-FFF2-40B4-BE49-F238E27FC236}">
+                <a16:creationId xmlns:a16="http://schemas.microsoft.com/office/drawing/2014/main" id="{3E6A65F6-F72A-4E96-97F6-5E28E47F5193}"/>
+              </a:ext>
+            </a:extLst>
+          </p:cNvPr>
+          <p:cNvPicPr/>
+          <p:nvPr/>
+        </p:nvPicPr>
+        <p:blipFill rotWithShape="1">
+          <a:blip r:embed="rId2"/>
+          <a:srcRect l="2673" t="28316" r="684" b="20562"/>
+          <a:stretch/>
+        </p:blipFill>
+        <p:spPr bwMode="auto">
+          <a:xfrm>
+            <a:off x="141342" y="1340768"/>
+            <a:ext cx="5078730" cy="1511300"/>
+          </a:xfrm>
+          <a:prstGeom prst="rect">
+            <a:avLst/>
+          </a:prstGeom>
+          <a:ln>
+            <a:noFill/>
+          </a:ln>
+          <a:extLst>
+            <a:ext uri="{53640926-AAD7-44D8-BBD7-CCE9431645EC}">
+              <a14:shadowObscured xmlns:a14="http://schemas.microsoft.com/office/drawing/2010/main"/>
+            </a:ext>
+          </a:extLst>
+        </p:spPr>
+      </p:pic>
+      <p:sp>
+        <p:nvSpPr>
+          <p:cNvPr id="7" name="Содержимое 2">
+            <a:extLst>
+              <a:ext uri="{FF2B5EF4-FFF2-40B4-BE49-F238E27FC236}">
+                <a16:creationId xmlns:a16="http://schemas.microsoft.com/office/drawing/2014/main" id="{78726EF5-25FA-4246-B4D6-FDA15AA00FFE}"/>
+              </a:ext>
+            </a:extLst>
+          </p:cNvPr>
           <p:cNvSpPr>
             <a:spLocks noGrp="1"/>
           </p:cNvSpPr>
@@ -5086,8 +5763,8 @@
         </p:nvSpPr>
         <p:spPr>
           <a:xfrm>
-            <a:off x="1115616" y="1600200"/>
-            <a:ext cx="7571184" cy="4525963"/>
+            <a:off x="5580112" y="1810840"/>
+            <a:ext cx="2986508" cy="604428"/>
           </a:xfrm>
         </p:spPr>
         <p:txBody>
@@ -5100,28 +5777,902 @@
               <a:buNone/>
             </a:pPr>
             <a:r>
-              <a:rPr lang="ru-RU" sz="2400" dirty="0" smtClean="0">
+              <a:rPr lang="ru-RU" sz="3600" b="1" dirty="0">
                 <a:solidFill>
                   <a:srgbClr val="FF0000"/>
                 </a:solidFill>
                 <a:latin typeface="Times New Roman" panose="02020603050405020304" pitchFamily="18" charset="0"/>
                 <a:cs typeface="Times New Roman" panose="02020603050405020304" pitchFamily="18" charset="0"/>
               </a:rPr>
-              <a:t>Из ПЗ</a:t>
-            </a:r>
-            <a:endParaRPr lang="ru-RU" sz="2400" dirty="0">
-              <a:solidFill>
-                <a:srgbClr val="FF0000"/>
-              </a:solidFill>
-              <a:latin typeface="Times New Roman" panose="02020603050405020304" pitchFamily="18" charset="0"/>
+              <a:t>Регистрация</a:t>
+            </a:r>
+          </a:p>
+        </p:txBody>
+      </p:sp>
+      <p:pic>
+        <p:nvPicPr>
+          <p:cNvPr id="9" name="Рисунок 8">
+            <a:extLst>
+              <a:ext uri="{FF2B5EF4-FFF2-40B4-BE49-F238E27FC236}">
+                <a16:creationId xmlns:a16="http://schemas.microsoft.com/office/drawing/2014/main" id="{D12E951A-6A20-408C-A22C-566C764479C7}"/>
+              </a:ext>
+            </a:extLst>
+          </p:cNvPr>
+          <p:cNvPicPr/>
+          <p:nvPr/>
+        </p:nvPicPr>
+        <p:blipFill rotWithShape="1">
+          <a:blip r:embed="rId3"/>
+          <a:srcRect l="2566" t="3421"/>
+          <a:stretch/>
+        </p:blipFill>
+        <p:spPr bwMode="auto">
+          <a:xfrm>
+            <a:off x="3894906" y="3068092"/>
+            <a:ext cx="4984750" cy="2779395"/>
+          </a:xfrm>
+          <a:prstGeom prst="rect">
+            <a:avLst/>
+          </a:prstGeom>
+          <a:ln>
+            <a:noFill/>
+          </a:ln>
+          <a:extLst>
+            <a:ext uri="{53640926-AAD7-44D8-BBD7-CCE9431645EC}">
+              <a14:shadowObscured xmlns:a14="http://schemas.microsoft.com/office/drawing/2010/main"/>
+            </a:ext>
+          </a:extLst>
+        </p:spPr>
+      </p:pic>
+      <p:pic>
+        <p:nvPicPr>
+          <p:cNvPr id="10" name="Рисунок 9">
+            <a:extLst>
+              <a:ext uri="{FF2B5EF4-FFF2-40B4-BE49-F238E27FC236}">
+                <a16:creationId xmlns:a16="http://schemas.microsoft.com/office/drawing/2014/main" id="{ACA35AE8-F773-425B-AD77-0E921E16725F}"/>
+              </a:ext>
+            </a:extLst>
+          </p:cNvPr>
+          <p:cNvPicPr/>
+          <p:nvPr/>
+        </p:nvPicPr>
+        <p:blipFill rotWithShape="1">
+          <a:blip r:embed="rId3"/>
+          <a:srcRect l="2566" t="3421"/>
+          <a:stretch/>
+        </p:blipFill>
+        <p:spPr bwMode="auto">
+          <a:xfrm>
+            <a:off x="3061786" y="3284984"/>
+            <a:ext cx="5766579" cy="3215327"/>
+          </a:xfrm>
+          <a:prstGeom prst="rect">
+            <a:avLst/>
+          </a:prstGeom>
+          <a:ln>
+            <a:noFill/>
+          </a:ln>
+          <a:extLst>
+            <a:ext uri="{53640926-AAD7-44D8-BBD7-CCE9431645EC}">
+              <a14:shadowObscured xmlns:a14="http://schemas.microsoft.com/office/drawing/2010/main"/>
+            </a:ext>
+          </a:extLst>
+        </p:spPr>
+      </p:pic>
+      <p:sp>
+        <p:nvSpPr>
+          <p:cNvPr id="11" name="Содержимое 2">
+            <a:extLst>
+              <a:ext uri="{FF2B5EF4-FFF2-40B4-BE49-F238E27FC236}">
+                <a16:creationId xmlns:a16="http://schemas.microsoft.com/office/drawing/2014/main" id="{A365D588-E63F-4838-9B04-70D19F8FEB35}"/>
+              </a:ext>
+            </a:extLst>
+          </p:cNvPr>
+          <p:cNvSpPr txBox="1">
+            <a:spLocks/>
+          </p:cNvSpPr>
+          <p:nvPr/>
+        </p:nvSpPr>
+        <p:spPr>
+          <a:xfrm>
+            <a:off x="611560" y="4457789"/>
+            <a:ext cx="1872208" cy="669173"/>
+          </a:xfrm>
+          <a:prstGeom prst="rect">
+            <a:avLst/>
+          </a:prstGeom>
+        </p:spPr>
+        <p:txBody>
+          <a:bodyPr vert="horz" lIns="91440" tIns="45720" rIns="91440" bIns="45720" rtlCol="0">
+            <a:normAutofit/>
+          </a:bodyPr>
+          <a:lstStyle>
+            <a:lvl1pPr marL="171450" indent="-171450" algn="l" defTabSz="685800" rtl="0" eaLnBrk="1" latinLnBrk="0" hangingPunct="1">
+              <a:lnSpc>
+                <a:spcPct val="90000"/>
+              </a:lnSpc>
+              <a:spcBef>
+                <a:spcPts val="750"/>
+              </a:spcBef>
+              <a:buFont typeface="Arial" panose="020B0604020202020204" pitchFamily="34" charset="0"/>
+              <a:buChar char="•"/>
+              <a:defRPr sz="2100" kern="1200">
+                <a:solidFill>
+                  <a:schemeClr val="tx1"/>
+                </a:solidFill>
+                <a:latin typeface="+mn-lt"/>
+                <a:ea typeface="+mn-ea"/>
+                <a:cs typeface="+mn-cs"/>
+              </a:defRPr>
+            </a:lvl1pPr>
+            <a:lvl2pPr marL="514350" indent="-171450" algn="l" defTabSz="685800" rtl="0" eaLnBrk="1" latinLnBrk="0" hangingPunct="1">
+              <a:lnSpc>
+                <a:spcPct val="90000"/>
+              </a:lnSpc>
+              <a:spcBef>
+                <a:spcPts val="375"/>
+              </a:spcBef>
+              <a:buFont typeface="Arial" panose="020B0604020202020204" pitchFamily="34" charset="0"/>
+              <a:buChar char="•"/>
+              <a:defRPr sz="1800" kern="1200">
+                <a:solidFill>
+                  <a:schemeClr val="tx1"/>
+                </a:solidFill>
+                <a:latin typeface="+mn-lt"/>
+                <a:ea typeface="+mn-ea"/>
+                <a:cs typeface="+mn-cs"/>
+              </a:defRPr>
+            </a:lvl2pPr>
+            <a:lvl3pPr marL="857250" indent="-171450" algn="l" defTabSz="685800" rtl="0" eaLnBrk="1" latinLnBrk="0" hangingPunct="1">
+              <a:lnSpc>
+                <a:spcPct val="90000"/>
+              </a:lnSpc>
+              <a:spcBef>
+                <a:spcPts val="375"/>
+              </a:spcBef>
+              <a:buFont typeface="Arial" panose="020B0604020202020204" pitchFamily="34" charset="0"/>
+              <a:buChar char="•"/>
+              <a:defRPr sz="1500" kern="1200">
+                <a:solidFill>
+                  <a:schemeClr val="tx1"/>
+                </a:solidFill>
+                <a:latin typeface="+mn-lt"/>
+                <a:ea typeface="+mn-ea"/>
+                <a:cs typeface="+mn-cs"/>
+              </a:defRPr>
+            </a:lvl3pPr>
+            <a:lvl4pPr marL="1200150" indent="-171450" algn="l" defTabSz="685800" rtl="0" eaLnBrk="1" latinLnBrk="0" hangingPunct="1">
+              <a:lnSpc>
+                <a:spcPct val="90000"/>
+              </a:lnSpc>
+              <a:spcBef>
+                <a:spcPts val="375"/>
+              </a:spcBef>
+              <a:buFont typeface="Arial" panose="020B0604020202020204" pitchFamily="34" charset="0"/>
+              <a:buChar char="•"/>
+              <a:defRPr sz="1350" kern="1200">
+                <a:solidFill>
+                  <a:schemeClr val="tx1"/>
+                </a:solidFill>
+                <a:latin typeface="+mn-lt"/>
+                <a:ea typeface="+mn-ea"/>
+                <a:cs typeface="+mn-cs"/>
+              </a:defRPr>
+            </a:lvl4pPr>
+            <a:lvl5pPr marL="1543050" indent="-171450" algn="l" defTabSz="685800" rtl="0" eaLnBrk="1" latinLnBrk="0" hangingPunct="1">
+              <a:lnSpc>
+                <a:spcPct val="90000"/>
+              </a:lnSpc>
+              <a:spcBef>
+                <a:spcPts val="375"/>
+              </a:spcBef>
+              <a:buFont typeface="Arial" panose="020B0604020202020204" pitchFamily="34" charset="0"/>
+              <a:buChar char="•"/>
+              <a:defRPr sz="1350" kern="1200">
+                <a:solidFill>
+                  <a:schemeClr val="tx1"/>
+                </a:solidFill>
+                <a:latin typeface="+mn-lt"/>
+                <a:ea typeface="+mn-ea"/>
+                <a:cs typeface="+mn-cs"/>
+              </a:defRPr>
+            </a:lvl5pPr>
+            <a:lvl6pPr marL="1885950" indent="-171450" algn="l" defTabSz="685800" rtl="0" eaLnBrk="1" latinLnBrk="0" hangingPunct="1">
+              <a:lnSpc>
+                <a:spcPct val="90000"/>
+              </a:lnSpc>
+              <a:spcBef>
+                <a:spcPts val="375"/>
+              </a:spcBef>
+              <a:buFont typeface="Arial" panose="020B0604020202020204" pitchFamily="34" charset="0"/>
+              <a:buChar char="•"/>
+              <a:defRPr sz="1350" kern="1200">
+                <a:solidFill>
+                  <a:schemeClr val="tx1"/>
+                </a:solidFill>
+                <a:latin typeface="+mn-lt"/>
+                <a:ea typeface="+mn-ea"/>
+                <a:cs typeface="+mn-cs"/>
+              </a:defRPr>
+            </a:lvl6pPr>
+            <a:lvl7pPr marL="2228850" indent="-171450" algn="l" defTabSz="685800" rtl="0" eaLnBrk="1" latinLnBrk="0" hangingPunct="1">
+              <a:lnSpc>
+                <a:spcPct val="90000"/>
+              </a:lnSpc>
+              <a:spcBef>
+                <a:spcPts val="375"/>
+              </a:spcBef>
+              <a:buFont typeface="Arial" panose="020B0604020202020204" pitchFamily="34" charset="0"/>
+              <a:buChar char="•"/>
+              <a:defRPr sz="1350" kern="1200">
+                <a:solidFill>
+                  <a:schemeClr val="tx1"/>
+                </a:solidFill>
+                <a:latin typeface="+mn-lt"/>
+                <a:ea typeface="+mn-ea"/>
+                <a:cs typeface="+mn-cs"/>
+              </a:defRPr>
+            </a:lvl7pPr>
+            <a:lvl8pPr marL="2571750" indent="-171450" algn="l" defTabSz="685800" rtl="0" eaLnBrk="1" latinLnBrk="0" hangingPunct="1">
+              <a:lnSpc>
+                <a:spcPct val="90000"/>
+              </a:lnSpc>
+              <a:spcBef>
+                <a:spcPts val="375"/>
+              </a:spcBef>
+              <a:buFont typeface="Arial" panose="020B0604020202020204" pitchFamily="34" charset="0"/>
+              <a:buChar char="•"/>
+              <a:defRPr sz="1350" kern="1200">
+                <a:solidFill>
+                  <a:schemeClr val="tx1"/>
+                </a:solidFill>
+                <a:latin typeface="+mn-lt"/>
+                <a:ea typeface="+mn-ea"/>
+                <a:cs typeface="+mn-cs"/>
+              </a:defRPr>
+            </a:lvl8pPr>
+            <a:lvl9pPr marL="2914650" indent="-171450" algn="l" defTabSz="685800" rtl="0" eaLnBrk="1" latinLnBrk="0" hangingPunct="1">
+              <a:lnSpc>
+                <a:spcPct val="90000"/>
+              </a:lnSpc>
+              <a:spcBef>
+                <a:spcPts val="375"/>
+              </a:spcBef>
+              <a:buFont typeface="Arial" panose="020B0604020202020204" pitchFamily="34" charset="0"/>
+              <a:buChar char="•"/>
+              <a:defRPr sz="1350" kern="1200">
+                <a:solidFill>
+                  <a:schemeClr val="tx1"/>
+                </a:solidFill>
+                <a:latin typeface="+mn-lt"/>
+                <a:ea typeface="+mn-ea"/>
+                <a:cs typeface="+mn-cs"/>
+              </a:defRPr>
+            </a:lvl9pPr>
+          </a:lstStyle>
+          <a:p>
+            <a:pPr marL="0" indent="0" algn="ctr">
+              <a:buFont typeface="Arial" panose="020B0604020202020204" pitchFamily="34" charset="0"/>
+              <a:buNone/>
+            </a:pPr>
+            <a:r>
+              <a:rPr lang="ru-RU" sz="3600" b="1" dirty="0">
+                <a:solidFill>
+                  <a:srgbClr val="FF0000"/>
+                </a:solidFill>
+                <a:latin typeface="Times New Roman" panose="02020603050405020304" pitchFamily="18" charset="0"/>
+                <a:cs typeface="Times New Roman" panose="02020603050405020304" pitchFamily="18" charset="0"/>
+              </a:rPr>
+              <a:t>Отзыв</a:t>
+            </a:r>
+          </a:p>
+        </p:txBody>
+      </p:sp>
+    </p:spTree>
+    <p:extLst>
+      <p:ext uri="{BB962C8B-B14F-4D97-AF65-F5344CB8AC3E}">
+        <p14:creationId xmlns:p14="http://schemas.microsoft.com/office/powerpoint/2010/main" val="3617294080"/>
+      </p:ext>
+    </p:extLst>
+  </p:cSld>
+  <p:clrMapOvr>
+    <a:masterClrMapping/>
+  </p:clrMapOvr>
+</p:sld>
+</file>
+
+<file path=ppt/slides/slide8.xml><?xml version="1.0" encoding="utf-8"?>
+<p:sld xmlns:a="http://schemas.openxmlformats.org/drawingml/2006/main" xmlns:r="http://schemas.openxmlformats.org/officeDocument/2006/relationships" xmlns:p="http://schemas.openxmlformats.org/presentationml/2006/main">
+  <p:cSld>
+    <p:spTree>
+      <p:nvGrpSpPr>
+        <p:cNvPr id="1" name=""/>
+        <p:cNvGrpSpPr/>
+        <p:nvPr/>
+      </p:nvGrpSpPr>
+      <p:grpSpPr>
+        <a:xfrm>
+          <a:off x="0" y="0"/>
+          <a:ext cx="0" cy="0"/>
+          <a:chOff x="0" y="0"/>
+          <a:chExt cx="0" cy="0"/>
+        </a:xfrm>
+      </p:grpSpPr>
+      <p:sp>
+        <p:nvSpPr>
+          <p:cNvPr id="4" name="Прямоугольник 3">
+            <a:extLst>
+              <a:ext uri="{FF2B5EF4-FFF2-40B4-BE49-F238E27FC236}">
+                <a16:creationId xmlns:a16="http://schemas.microsoft.com/office/drawing/2014/main" id="{C8F5FE46-ED4D-4331-BEC8-4BB14D1175AC}"/>
+              </a:ext>
+            </a:extLst>
+          </p:cNvPr>
+          <p:cNvSpPr/>
+          <p:nvPr/>
+        </p:nvSpPr>
+        <p:spPr>
+          <a:xfrm>
+            <a:off x="0" y="0"/>
+            <a:ext cx="9144000" cy="1124744"/>
+          </a:xfrm>
+          <a:prstGeom prst="rect">
+            <a:avLst/>
+          </a:prstGeom>
+          <a:solidFill>
+            <a:srgbClr val="CC0000"/>
+          </a:solidFill>
+          <a:ln>
+            <a:noFill/>
+          </a:ln>
+        </p:spPr>
+        <p:style>
+          <a:lnRef idx="2">
+            <a:schemeClr val="accent1">
+              <a:shade val="50000"/>
+            </a:schemeClr>
+          </a:lnRef>
+          <a:fillRef idx="1">
+            <a:schemeClr val="accent1"/>
+          </a:fillRef>
+          <a:effectRef idx="0">
+            <a:schemeClr val="accent1"/>
+          </a:effectRef>
+          <a:fontRef idx="minor">
+            <a:schemeClr val="lt1"/>
+          </a:fontRef>
+        </p:style>
+        <p:txBody>
+          <a:bodyPr rtlCol="0" anchor="ctr"/>
+          <a:lstStyle/>
+          <a:p>
+            <a:pPr algn="ctr"/>
+            <a:endParaRPr lang="ru-RU"/>
+          </a:p>
+        </p:txBody>
+      </p:sp>
+      <p:sp>
+        <p:nvSpPr>
+          <p:cNvPr id="5" name="Заголовок 1">
+            <a:extLst>
+              <a:ext uri="{FF2B5EF4-FFF2-40B4-BE49-F238E27FC236}">
+                <a16:creationId xmlns:a16="http://schemas.microsoft.com/office/drawing/2014/main" id="{D2C7A50E-3778-4941-A8B5-0B4C95BF1517}"/>
+              </a:ext>
+            </a:extLst>
+          </p:cNvPr>
+          <p:cNvSpPr>
+            <a:spLocks noGrp="1"/>
+          </p:cNvSpPr>
+          <p:nvPr>
+            <p:ph type="title"/>
+          </p:nvPr>
+        </p:nvSpPr>
+        <p:spPr>
+          <a:xfrm>
+            <a:off x="323528" y="94320"/>
+            <a:ext cx="7886700" cy="936104"/>
+          </a:xfrm>
+        </p:spPr>
+        <p:txBody>
+          <a:bodyPr>
+            <a:normAutofit/>
+          </a:bodyPr>
+          <a:lstStyle/>
+          <a:p>
+            <a:r>
+              <a:rPr lang="ru-RU" sz="4000" b="1" dirty="0">
+                <a:solidFill>
+                  <a:schemeClr val="bg1"/>
+                </a:solidFill>
+                <a:latin typeface="Times New Roman" panose="02020603050405020304" pitchFamily="18" charset="0"/>
+                <a:cs typeface="Times New Roman" panose="02020603050405020304" pitchFamily="18" charset="0"/>
+              </a:rPr>
+              <a:t>Интерфейс веб-приложения</a:t>
+            </a:r>
+          </a:p>
+        </p:txBody>
+      </p:sp>
+      <p:sp>
+        <p:nvSpPr>
+          <p:cNvPr id="6" name="Содержимое 2">
+            <a:extLst>
+              <a:ext uri="{FF2B5EF4-FFF2-40B4-BE49-F238E27FC236}">
+                <a16:creationId xmlns:a16="http://schemas.microsoft.com/office/drawing/2014/main" id="{672F5047-057B-4C6B-95A0-0A1161BE866B}"/>
+              </a:ext>
+            </a:extLst>
+          </p:cNvPr>
+          <p:cNvSpPr>
+            <a:spLocks noGrp="1"/>
+          </p:cNvSpPr>
+          <p:nvPr>
+            <p:ph idx="1"/>
+          </p:nvPr>
+        </p:nvSpPr>
+        <p:spPr>
+          <a:xfrm>
+            <a:off x="266582" y="1265051"/>
+            <a:ext cx="1440160" cy="388404"/>
+          </a:xfrm>
+        </p:spPr>
+        <p:txBody>
+          <a:bodyPr>
+            <a:normAutofit/>
+          </a:bodyPr>
+          <a:lstStyle/>
+          <a:p>
+            <a:pPr marL="0" indent="0">
+              <a:buNone/>
+            </a:pPr>
+            <a:r>
+              <a:rPr lang="ru-RU" b="1" dirty="0">
+                <a:solidFill>
+                  <a:srgbClr val="FF0000"/>
+                </a:solidFill>
+                <a:latin typeface="Times New Roman" panose="02020603050405020304" pitchFamily="18" charset="0"/>
+                <a:cs typeface="Times New Roman" panose="02020603050405020304" pitchFamily="18" charset="0"/>
+              </a:rPr>
+              <a:t>Профиль</a:t>
+            </a:r>
+          </a:p>
+        </p:txBody>
+      </p:sp>
+      <p:pic>
+        <p:nvPicPr>
+          <p:cNvPr id="8" name="Рисунок 7">
+            <a:extLst>
+              <a:ext uri="{FF2B5EF4-FFF2-40B4-BE49-F238E27FC236}">
+                <a16:creationId xmlns:a16="http://schemas.microsoft.com/office/drawing/2014/main" id="{6684D4EE-A878-468A-872C-ECDE21C5106C}"/>
+              </a:ext>
+            </a:extLst>
+          </p:cNvPr>
+          <p:cNvPicPr/>
+          <p:nvPr/>
+        </p:nvPicPr>
+        <p:blipFill rotWithShape="1">
+          <a:blip r:embed="rId2"/>
+          <a:srcRect l="2566" t="4561"/>
+          <a:stretch/>
+        </p:blipFill>
+        <p:spPr bwMode="auto">
+          <a:xfrm>
+            <a:off x="266582" y="1752777"/>
+            <a:ext cx="8610835" cy="4656915"/>
+          </a:xfrm>
+          <a:prstGeom prst="rect">
+            <a:avLst/>
+          </a:prstGeom>
+          <a:ln>
+            <a:noFill/>
+          </a:ln>
+          <a:extLst>
+            <a:ext uri="{53640926-AAD7-44D8-BBD7-CCE9431645EC}">
+              <a14:shadowObscured xmlns:a14="http://schemas.microsoft.com/office/drawing/2010/main"/>
+            </a:ext>
+          </a:extLst>
+        </p:spPr>
+      </p:pic>
+    </p:spTree>
+    <p:extLst>
+      <p:ext uri="{BB962C8B-B14F-4D97-AF65-F5344CB8AC3E}">
+        <p14:creationId xmlns:p14="http://schemas.microsoft.com/office/powerpoint/2010/main" val="743929827"/>
+      </p:ext>
+    </p:extLst>
+  </p:cSld>
+  <p:clrMapOvr>
+    <a:masterClrMapping/>
+  </p:clrMapOvr>
+</p:sld>
+</file>
+
+<file path=ppt/slides/slide9.xml><?xml version="1.0" encoding="utf-8"?>
+<p:sld xmlns:a="http://schemas.openxmlformats.org/drawingml/2006/main" xmlns:r="http://schemas.openxmlformats.org/officeDocument/2006/relationships" xmlns:p="http://schemas.openxmlformats.org/presentationml/2006/main">
+  <p:cSld>
+    <p:spTree>
+      <p:nvGrpSpPr>
+        <p:cNvPr id="1" name=""/>
+        <p:cNvGrpSpPr/>
+        <p:nvPr/>
+      </p:nvGrpSpPr>
+      <p:grpSpPr>
+        <a:xfrm>
+          <a:off x="0" y="0"/>
+          <a:ext cx="0" cy="0"/>
+          <a:chOff x="0" y="0"/>
+          <a:chExt cx="0" cy="0"/>
+        </a:xfrm>
+      </p:grpSpPr>
+      <p:sp>
+        <p:nvSpPr>
+          <p:cNvPr id="4" name="Прямоугольник 3">
+            <a:extLst>
+              <a:ext uri="{FF2B5EF4-FFF2-40B4-BE49-F238E27FC236}">
+                <a16:creationId xmlns:a16="http://schemas.microsoft.com/office/drawing/2014/main" id="{F0D7D0EB-FADB-479A-B281-DDC29104C5C4}"/>
+              </a:ext>
+            </a:extLst>
+          </p:cNvPr>
+          <p:cNvSpPr/>
+          <p:nvPr/>
+        </p:nvSpPr>
+        <p:spPr>
+          <a:xfrm>
+            <a:off x="0" y="0"/>
+            <a:ext cx="9144000" cy="1124744"/>
+          </a:xfrm>
+          <a:prstGeom prst="rect">
+            <a:avLst/>
+          </a:prstGeom>
+          <a:solidFill>
+            <a:srgbClr val="CC0000"/>
+          </a:solidFill>
+          <a:ln>
+            <a:noFill/>
+          </a:ln>
+        </p:spPr>
+        <p:style>
+          <a:lnRef idx="2">
+            <a:schemeClr val="accent1">
+              <a:shade val="50000"/>
+            </a:schemeClr>
+          </a:lnRef>
+          <a:fillRef idx="1">
+            <a:schemeClr val="accent1"/>
+          </a:fillRef>
+          <a:effectRef idx="0">
+            <a:schemeClr val="accent1"/>
+          </a:effectRef>
+          <a:fontRef idx="minor">
+            <a:schemeClr val="lt1"/>
+          </a:fontRef>
+        </p:style>
+        <p:txBody>
+          <a:bodyPr rtlCol="0" anchor="ctr"/>
+          <a:lstStyle/>
+          <a:p>
+            <a:pPr algn="ctr"/>
+            <a:endParaRPr lang="ru-RU"/>
+          </a:p>
+        </p:txBody>
+      </p:sp>
+      <p:sp>
+        <p:nvSpPr>
+          <p:cNvPr id="2" name="Заголовок 1"/>
+          <p:cNvSpPr>
+            <a:spLocks noGrp="1"/>
+          </p:cNvSpPr>
+          <p:nvPr>
+            <p:ph type="title"/>
+          </p:nvPr>
+        </p:nvSpPr>
+        <p:spPr>
+          <a:xfrm>
+            <a:off x="323528" y="218567"/>
+            <a:ext cx="7886700" cy="687610"/>
+          </a:xfrm>
+        </p:spPr>
+        <p:txBody>
+          <a:bodyPr>
+            <a:normAutofit/>
+          </a:bodyPr>
+          <a:lstStyle/>
+          <a:p>
+            <a:r>
+              <a:rPr lang="ru-RU" b="1" dirty="0">
+                <a:solidFill>
+                  <a:schemeClr val="bg1"/>
+                </a:solidFill>
+                <a:latin typeface="Times New Roman" panose="02020603050405020304" pitchFamily="18" charset="0"/>
+                <a:cs typeface="Times New Roman" panose="02020603050405020304" pitchFamily="18" charset="0"/>
+              </a:rPr>
+              <a:t>Заключение</a:t>
+            </a:r>
+          </a:p>
+        </p:txBody>
+      </p:sp>
+      <p:sp>
+        <p:nvSpPr>
+          <p:cNvPr id="3" name="Содержимое 2"/>
+          <p:cNvSpPr>
+            <a:spLocks noGrp="1"/>
+          </p:cNvSpPr>
+          <p:nvPr>
+            <p:ph idx="1"/>
+          </p:nvPr>
+        </p:nvSpPr>
+        <p:spPr>
+          <a:xfrm>
+            <a:off x="179512" y="1268762"/>
+            <a:ext cx="8712968" cy="4968550"/>
+          </a:xfrm>
+        </p:spPr>
+        <p:txBody>
+          <a:bodyPr>
+            <a:normAutofit/>
+          </a:bodyPr>
+          <a:lstStyle/>
+          <a:p>
+            <a:pPr marL="342900" lvl="0" indent="-342900" algn="just">
+              <a:lnSpc>
+                <a:spcPct val="150000"/>
+              </a:lnSpc>
+              <a:spcAft>
+                <a:spcPts val="1000"/>
+              </a:spcAft>
+              <a:buFont typeface="+mj-lt"/>
+              <a:buAutoNum type="arabicPeriod"/>
+            </a:pPr>
+            <a:r>
+              <a:rPr lang="ru-RU" sz="1800" dirty="0">
+                <a:solidFill>
+                  <a:srgbClr val="000000"/>
+                </a:solidFill>
+                <a:effectLst/>
+                <a:latin typeface="Times New Roman" panose="02020603050405020304" pitchFamily="18" charset="0"/>
+                <a:ea typeface="Calibri" panose="020F0502020204030204" pitchFamily="34" charset="0"/>
+                <a:cs typeface="Times New Roman" panose="02020603050405020304" pitchFamily="18" charset="0"/>
+              </a:rPr>
+              <a:t>Разработан алгоритм поставленной задачи.</a:t>
+            </a:r>
+            <a:endParaRPr lang="ru-RU" sz="1800" dirty="0">
+              <a:effectLst/>
+              <a:latin typeface="Calibri" panose="020F0502020204030204" pitchFamily="34" charset="0"/>
+              <a:ea typeface="Calibri" panose="020F0502020204030204" pitchFamily="34" charset="0"/>
               <a:cs typeface="Times New Roman" panose="02020603050405020304" pitchFamily="18" charset="0"/>
             </a:endParaRPr>
           </a:p>
           <a:p>
-            <a:pPr marL="0" indent="0">
-              <a:buNone/>
+            <a:pPr marL="342900" lvl="0" indent="-342900" algn="just">
+              <a:lnSpc>
+                <a:spcPct val="150000"/>
+              </a:lnSpc>
+              <a:spcAft>
+                <a:spcPts val="1000"/>
+              </a:spcAft>
+              <a:buFont typeface="+mj-lt"/>
+              <a:buAutoNum type="arabicPeriod"/>
             </a:pPr>
-            <a:endParaRPr lang="ru-RU" dirty="0"/>
+            <a:r>
+              <a:rPr lang="ru-RU" sz="1800" dirty="0">
+                <a:solidFill>
+                  <a:srgbClr val="000000"/>
+                </a:solidFill>
+                <a:effectLst/>
+                <a:latin typeface="Times New Roman" panose="02020603050405020304" pitchFamily="18" charset="0"/>
+                <a:ea typeface="Calibri" panose="020F0502020204030204" pitchFamily="34" charset="0"/>
+                <a:cs typeface="Times New Roman" panose="02020603050405020304" pitchFamily="18" charset="0"/>
+              </a:rPr>
+              <a:t>Реализован алгоритм средствами автоматизированного проектирования.</a:t>
+            </a:r>
+            <a:endParaRPr lang="ru-RU" sz="1800" dirty="0">
+              <a:effectLst/>
+              <a:latin typeface="Calibri" panose="020F0502020204030204" pitchFamily="34" charset="0"/>
+              <a:ea typeface="Calibri" panose="020F0502020204030204" pitchFamily="34" charset="0"/>
+              <a:cs typeface="Times New Roman" panose="02020603050405020304" pitchFamily="18" charset="0"/>
+            </a:endParaRPr>
+          </a:p>
+          <a:p>
+            <a:pPr marL="342900" lvl="0" indent="-342900" algn="just">
+              <a:lnSpc>
+                <a:spcPct val="150000"/>
+              </a:lnSpc>
+              <a:spcAft>
+                <a:spcPts val="1000"/>
+              </a:spcAft>
+              <a:buFont typeface="+mj-lt"/>
+              <a:buAutoNum type="arabicPeriod"/>
+            </a:pPr>
+            <a:r>
+              <a:rPr lang="ru-RU" sz="1800" dirty="0">
+                <a:solidFill>
+                  <a:srgbClr val="000000"/>
+                </a:solidFill>
+                <a:effectLst/>
+                <a:latin typeface="Times New Roman" panose="02020603050405020304" pitchFamily="18" charset="0"/>
+                <a:ea typeface="Calibri" panose="020F0502020204030204" pitchFamily="34" charset="0"/>
+                <a:cs typeface="Times New Roman" panose="02020603050405020304" pitchFamily="18" charset="0"/>
+              </a:rPr>
+              <a:t>Разработан код программного продукта на основе готовой спецификации на уровне модуля с использованием современных языков программирования.</a:t>
+            </a:r>
+            <a:endParaRPr lang="ru-RU" sz="1800" dirty="0">
+              <a:effectLst/>
+              <a:latin typeface="Calibri" panose="020F0502020204030204" pitchFamily="34" charset="0"/>
+              <a:ea typeface="Calibri" panose="020F0502020204030204" pitchFamily="34" charset="0"/>
+              <a:cs typeface="Times New Roman" panose="02020603050405020304" pitchFamily="18" charset="0"/>
+            </a:endParaRPr>
+          </a:p>
+          <a:p>
+            <a:pPr marL="342900" lvl="0" indent="-342900" algn="just">
+              <a:lnSpc>
+                <a:spcPct val="150000"/>
+              </a:lnSpc>
+              <a:spcAft>
+                <a:spcPts val="1000"/>
+              </a:spcAft>
+              <a:buFont typeface="+mj-lt"/>
+              <a:buAutoNum type="arabicPeriod"/>
+            </a:pPr>
+            <a:r>
+              <a:rPr lang="ru-RU" sz="1800" dirty="0">
+                <a:solidFill>
+                  <a:srgbClr val="000000"/>
+                </a:solidFill>
+                <a:effectLst/>
+                <a:latin typeface="Times New Roman" panose="02020603050405020304" pitchFamily="18" charset="0"/>
+                <a:ea typeface="Calibri" panose="020F0502020204030204" pitchFamily="34" charset="0"/>
+                <a:cs typeface="Times New Roman" panose="02020603050405020304" pitchFamily="18" charset="0"/>
+              </a:rPr>
+              <a:t>Проведена отладку программного продукта с использованием инструментальных средств.</a:t>
+            </a:r>
+            <a:endParaRPr lang="ru-RU" sz="1800" dirty="0">
+              <a:effectLst/>
+              <a:latin typeface="Calibri" panose="020F0502020204030204" pitchFamily="34" charset="0"/>
+              <a:ea typeface="Calibri" panose="020F0502020204030204" pitchFamily="34" charset="0"/>
+              <a:cs typeface="Times New Roman" panose="02020603050405020304" pitchFamily="18" charset="0"/>
+            </a:endParaRPr>
+          </a:p>
+          <a:p>
+            <a:pPr marL="342900" lvl="0" indent="-342900" algn="just">
+              <a:lnSpc>
+                <a:spcPct val="150000"/>
+              </a:lnSpc>
+              <a:spcAft>
+                <a:spcPts val="1000"/>
+              </a:spcAft>
+              <a:buFont typeface="+mj-lt"/>
+              <a:buAutoNum type="arabicPeriod"/>
+            </a:pPr>
+            <a:r>
+              <a:rPr lang="ru-RU" sz="1800" dirty="0">
+                <a:solidFill>
+                  <a:srgbClr val="000000"/>
+                </a:solidFill>
+                <a:effectLst/>
+                <a:latin typeface="Times New Roman" panose="02020603050405020304" pitchFamily="18" charset="0"/>
+                <a:ea typeface="Calibri" panose="020F0502020204030204" pitchFamily="34" charset="0"/>
+                <a:cs typeface="Times New Roman" panose="02020603050405020304" pitchFamily="18" charset="0"/>
+              </a:rPr>
+              <a:t>Оформлена документацию на программные средства с использованием средств для автоматизации оформления документации.</a:t>
+            </a:r>
+            <a:endParaRPr lang="ru-RU" sz="1800" dirty="0">
+              <a:effectLst/>
+              <a:latin typeface="Calibri" panose="020F0502020204030204" pitchFamily="34" charset="0"/>
+              <a:ea typeface="Calibri" panose="020F0502020204030204" pitchFamily="34" charset="0"/>
+              <a:cs typeface="Times New Roman" panose="02020603050405020304" pitchFamily="18" charset="0"/>
+            </a:endParaRPr>
+          </a:p>
+        </p:txBody>
+      </p:sp>
+      <p:sp>
+        <p:nvSpPr>
+          <p:cNvPr id="5" name="Прямоугольник 4">
+            <a:extLst>
+              <a:ext uri="{FF2B5EF4-FFF2-40B4-BE49-F238E27FC236}">
+                <a16:creationId xmlns:a16="http://schemas.microsoft.com/office/drawing/2014/main" id="{0FB8E4AA-7FDF-489A-856D-507ADE8B2BD0}"/>
+              </a:ext>
+            </a:extLst>
+          </p:cNvPr>
+          <p:cNvSpPr/>
+          <p:nvPr/>
+        </p:nvSpPr>
+        <p:spPr>
+          <a:xfrm>
+            <a:off x="-11042" y="6165304"/>
+            <a:ext cx="9144000" cy="692696"/>
+          </a:xfrm>
+          <a:prstGeom prst="rect">
+            <a:avLst/>
+          </a:prstGeom>
+          <a:solidFill>
+            <a:schemeClr val="tx1">
+              <a:lumMod val="85000"/>
+              <a:lumOff val="15000"/>
+            </a:schemeClr>
+          </a:solidFill>
+          <a:ln>
+            <a:noFill/>
+          </a:ln>
+        </p:spPr>
+        <p:style>
+          <a:lnRef idx="2">
+            <a:schemeClr val="accent1">
+              <a:shade val="50000"/>
+            </a:schemeClr>
+          </a:lnRef>
+          <a:fillRef idx="1">
+            <a:schemeClr val="accent1"/>
+          </a:fillRef>
+          <a:effectRef idx="0">
+            <a:schemeClr val="accent1"/>
+          </a:effectRef>
+          <a:fontRef idx="minor">
+            <a:schemeClr val="lt1"/>
+          </a:fontRef>
+        </p:style>
+        <p:txBody>
+          <a:bodyPr rtlCol="0" anchor="ctr"/>
+          <a:lstStyle/>
+          <a:p>
+            <a:pPr algn="ctr"/>
+            <a:endParaRPr lang="ru-RU"/>
+          </a:p>
+        </p:txBody>
+      </p:sp>
+      <p:sp>
+        <p:nvSpPr>
+          <p:cNvPr id="6" name="TextBox 5">
+            <a:extLst>
+              <a:ext uri="{FF2B5EF4-FFF2-40B4-BE49-F238E27FC236}">
+                <a16:creationId xmlns:a16="http://schemas.microsoft.com/office/drawing/2014/main" id="{44AB5C40-6A40-4216-9069-94B8022AB586}"/>
+              </a:ext>
+            </a:extLst>
+          </p:cNvPr>
+          <p:cNvSpPr txBox="1"/>
+          <p:nvPr/>
+        </p:nvSpPr>
+        <p:spPr>
+          <a:xfrm>
+            <a:off x="3571373" y="6326615"/>
+            <a:ext cx="2001253" cy="369332"/>
+          </a:xfrm>
+          <a:prstGeom prst="rect">
+            <a:avLst/>
+          </a:prstGeom>
+          <a:noFill/>
+        </p:spPr>
+        <p:txBody>
+          <a:bodyPr wrap="none" rtlCol="0">
+            <a:spAutoFit/>
+          </a:bodyPr>
+          <a:lstStyle/>
+          <a:p>
+            <a:r>
+              <a:rPr lang="ru-RU" dirty="0">
+                <a:solidFill>
+                  <a:schemeClr val="bg1"/>
+                </a:solidFill>
+                <a:latin typeface="Times New Roman" panose="02020603050405020304" pitchFamily="18" charset="0"/>
+                <a:cs typeface="Times New Roman" panose="02020603050405020304" pitchFamily="18" charset="0"/>
+              </a:rPr>
+              <a:t>Мисник - 202</a:t>
+            </a:r>
+            <a:r>
+              <a:rPr lang="en-US" dirty="0">
+                <a:solidFill>
+                  <a:schemeClr val="bg1"/>
+                </a:solidFill>
+                <a:latin typeface="Times New Roman" panose="02020603050405020304" pitchFamily="18" charset="0"/>
+                <a:cs typeface="Times New Roman" panose="02020603050405020304" pitchFamily="18" charset="0"/>
+              </a:rPr>
+              <a:t>3</a:t>
+            </a:r>
+            <a:r>
+              <a:rPr lang="ru-RU" dirty="0">
+                <a:solidFill>
+                  <a:schemeClr val="bg1"/>
+                </a:solidFill>
+                <a:latin typeface="Times New Roman" panose="02020603050405020304" pitchFamily="18" charset="0"/>
+                <a:cs typeface="Times New Roman" panose="02020603050405020304" pitchFamily="18" charset="0"/>
+              </a:rPr>
+              <a:t> год</a:t>
+            </a:r>
           </a:p>
         </p:txBody>
       </p:sp>
@@ -5130,13 +6681,6 @@
   <p:clrMapOvr>
     <a:masterClrMapping/>
   </p:clrMapOvr>
-  <p:timing>
-    <p:tnLst>
-      <p:par>
-        <p:cTn id="1" dur="indefinite" restart="never" nodeType="tmRoot"/>
-      </p:par>
-    </p:tnLst>
-  </p:timing>
 </p:sld>
 </file>
 
